--- a/2.Python_String_1_and_2_feb/PPTS/Python_Lesson4_Strings.pptx
+++ b/2.Python_String_1_and_2_feb/PPTS/Python_Lesson4_Strings.pptx
@@ -495,7 +495,7 @@
             <a:pPr algn="r">
               <a:buNone/>
             </a:pPr>
-            <a:fld id="{7F6340F3-2508-46C5-B03E-EC2AB51132FA}" type="slidenum">
+            <a:fld id="{40C947CC-4380-4193-B758-2624D567819C}" type="slidenum">
               <a:rPr b="0" lang="en-IN" sz="1400" spc="-1" strike="noStrike">
                 <a:latin typeface="Times New Roman"/>
               </a:rPr>
@@ -543,7 +543,7 @@
         <p:spPr>
           <a:xfrm>
             <a:off x="685800" y="1143000"/>
-            <a:ext cx="5485680" cy="3085560"/>
+            <a:ext cx="5485320" cy="3085200"/>
           </a:xfrm>
           <a:prstGeom prst="rect">
             <a:avLst/>
@@ -566,7 +566,7 @@
         <p:spPr>
           <a:xfrm>
             <a:off x="685800" y="4400640"/>
-            <a:ext cx="5485680" cy="3599640"/>
+            <a:ext cx="5485320" cy="3599280"/>
           </a:xfrm>
           <a:prstGeom prst="rect">
             <a:avLst/>
@@ -600,7 +600,7 @@
         <p:spPr>
           <a:xfrm>
             <a:off x="3884760" y="8685360"/>
-            <a:ext cx="2971080" cy="457920"/>
+            <a:ext cx="2970720" cy="457560"/>
           </a:xfrm>
           <a:prstGeom prst="rect">
             <a:avLst/>
@@ -636,7 +636,7 @@
               </a:lnSpc>
               <a:buNone/>
             </a:pPr>
-            <a:fld id="{8F14D960-20B7-4753-A810-11460993D6B6}" type="slidenum">
+            <a:fld id="{10640BC9-B1F2-4407-92D9-61B45CC6934D}" type="slidenum">
               <a:rPr b="0" lang="en-US" sz="1200" spc="-1" strike="noStrike">
                 <a:solidFill>
                   <a:srgbClr val="000000"/>
@@ -687,7 +687,7 @@
         <p:spPr>
           <a:xfrm>
             <a:off x="685800" y="1143000"/>
-            <a:ext cx="5485680" cy="3085560"/>
+            <a:ext cx="5485320" cy="3085200"/>
           </a:xfrm>
           <a:prstGeom prst="rect">
             <a:avLst/>
@@ -710,7 +710,7 @@
         <p:spPr>
           <a:xfrm>
             <a:off x="685800" y="4400640"/>
-            <a:ext cx="5485680" cy="3599640"/>
+            <a:ext cx="5485320" cy="3599280"/>
           </a:xfrm>
           <a:prstGeom prst="rect">
             <a:avLst/>
@@ -744,7 +744,7 @@
         <p:spPr>
           <a:xfrm>
             <a:off x="3884760" y="8685360"/>
-            <a:ext cx="2971080" cy="457920"/>
+            <a:ext cx="2970720" cy="457560"/>
           </a:xfrm>
           <a:prstGeom prst="rect">
             <a:avLst/>
@@ -780,7 +780,7 @@
               </a:lnSpc>
               <a:buNone/>
             </a:pPr>
-            <a:fld id="{5E89BD20-71CF-4727-9DA0-01F4637194E8}" type="slidenum">
+            <a:fld id="{B171C026-092E-45E3-899A-F3A0D2F6D8F0}" type="slidenum">
               <a:rPr b="0" lang="en-US" sz="1200" spc="-1" strike="noStrike">
                 <a:solidFill>
                   <a:srgbClr val="000000"/>
@@ -831,7 +831,7 @@
         <p:spPr>
           <a:xfrm>
             <a:off x="685800" y="1143000"/>
-            <a:ext cx="5485680" cy="3085560"/>
+            <a:ext cx="5485320" cy="3085200"/>
           </a:xfrm>
           <a:prstGeom prst="rect">
             <a:avLst/>
@@ -854,7 +854,7 @@
         <p:spPr>
           <a:xfrm>
             <a:off x="685800" y="4400640"/>
-            <a:ext cx="5485680" cy="3599640"/>
+            <a:ext cx="5485320" cy="3599280"/>
           </a:xfrm>
           <a:prstGeom prst="rect">
             <a:avLst/>
@@ -888,7 +888,7 @@
         <p:spPr>
           <a:xfrm>
             <a:off x="3884760" y="8685360"/>
-            <a:ext cx="2971080" cy="457920"/>
+            <a:ext cx="2970720" cy="457560"/>
           </a:xfrm>
           <a:prstGeom prst="rect">
             <a:avLst/>
@@ -924,7 +924,7 @@
               </a:lnSpc>
               <a:buNone/>
             </a:pPr>
-            <a:fld id="{39668972-5C74-4F77-9337-C1F9577397A2}" type="slidenum">
+            <a:fld id="{1A0E14B9-A096-41AD-AB69-7F171E3226FB}" type="slidenum">
               <a:rPr b="0" lang="en-US" sz="1200" spc="-1" strike="noStrike">
                 <a:solidFill>
                   <a:srgbClr val="000000"/>
@@ -975,7 +975,7 @@
         <p:spPr>
           <a:xfrm>
             <a:off x="685800" y="1143000"/>
-            <a:ext cx="5485680" cy="3085560"/>
+            <a:ext cx="5485320" cy="3085200"/>
           </a:xfrm>
           <a:prstGeom prst="rect">
             <a:avLst/>
@@ -998,7 +998,7 @@
         <p:spPr>
           <a:xfrm>
             <a:off x="685800" y="4400640"/>
-            <a:ext cx="5485680" cy="3599640"/>
+            <a:ext cx="5485320" cy="3599280"/>
           </a:xfrm>
           <a:prstGeom prst="rect">
             <a:avLst/>
@@ -1032,7 +1032,7 @@
         <p:spPr>
           <a:xfrm>
             <a:off x="3884760" y="8685360"/>
-            <a:ext cx="2971080" cy="457920"/>
+            <a:ext cx="2970720" cy="457560"/>
           </a:xfrm>
           <a:prstGeom prst="rect">
             <a:avLst/>
@@ -1068,7 +1068,7 @@
               </a:lnSpc>
               <a:buNone/>
             </a:pPr>
-            <a:fld id="{496272EA-F262-4B0D-8560-ED6260145DB6}" type="slidenum">
+            <a:fld id="{3ECD1B9A-C7B9-4089-ADB4-F6B84DBBFF4A}" type="slidenum">
               <a:rPr b="0" lang="en-US" sz="1200" spc="-1" strike="noStrike">
                 <a:solidFill>
                   <a:srgbClr val="000000"/>
@@ -1119,7 +1119,7 @@
         <p:spPr>
           <a:xfrm>
             <a:off x="685800" y="1143000"/>
-            <a:ext cx="5485680" cy="3085560"/>
+            <a:ext cx="5485320" cy="3085200"/>
           </a:xfrm>
           <a:prstGeom prst="rect">
             <a:avLst/>
@@ -1142,7 +1142,7 @@
         <p:spPr>
           <a:xfrm>
             <a:off x="685800" y="4400640"/>
-            <a:ext cx="5485680" cy="3599640"/>
+            <a:ext cx="5485320" cy="3599280"/>
           </a:xfrm>
           <a:prstGeom prst="rect">
             <a:avLst/>
@@ -1176,7 +1176,7 @@
         <p:spPr>
           <a:xfrm>
             <a:off x="3884760" y="8685360"/>
-            <a:ext cx="2971080" cy="457920"/>
+            <a:ext cx="2970720" cy="457560"/>
           </a:xfrm>
           <a:prstGeom prst="rect">
             <a:avLst/>
@@ -1212,7 +1212,7 @@
               </a:lnSpc>
               <a:buNone/>
             </a:pPr>
-            <a:fld id="{C61D86D5-C69E-45F1-B0E5-038BF5B51735}" type="slidenum">
+            <a:fld id="{B68F39EE-6E57-4B65-A096-35BD6DE6635F}" type="slidenum">
               <a:rPr b="0" lang="en-US" sz="1200" spc="-1" strike="noStrike">
                 <a:solidFill>
                   <a:srgbClr val="000000"/>
@@ -1263,7 +1263,7 @@
         <p:spPr>
           <a:xfrm>
             <a:off x="685800" y="1143000"/>
-            <a:ext cx="5485680" cy="3085560"/>
+            <a:ext cx="5485320" cy="3085200"/>
           </a:xfrm>
           <a:prstGeom prst="rect">
             <a:avLst/>
@@ -1286,7 +1286,7 @@
         <p:spPr>
           <a:xfrm>
             <a:off x="685800" y="4400640"/>
-            <a:ext cx="5485680" cy="3599640"/>
+            <a:ext cx="5485320" cy="3599280"/>
           </a:xfrm>
           <a:prstGeom prst="rect">
             <a:avLst/>
@@ -1320,7 +1320,7 @@
         <p:spPr>
           <a:xfrm>
             <a:off x="3884760" y="8685360"/>
-            <a:ext cx="2971080" cy="457920"/>
+            <a:ext cx="2970720" cy="457560"/>
           </a:xfrm>
           <a:prstGeom prst="rect">
             <a:avLst/>
@@ -1356,7 +1356,7 @@
               </a:lnSpc>
               <a:buNone/>
             </a:pPr>
-            <a:fld id="{3CC982A5-5986-49EE-A205-5F5EEA88D9F0}" type="slidenum">
+            <a:fld id="{BD2FC7C5-E261-4AF6-A735-05C7204FBBF7}" type="slidenum">
               <a:rPr b="0" lang="en-US" sz="1200" spc="-1" strike="noStrike">
                 <a:solidFill>
                   <a:srgbClr val="000000"/>
@@ -1407,7 +1407,7 @@
         <p:spPr>
           <a:xfrm>
             <a:off x="685800" y="1143000"/>
-            <a:ext cx="5485680" cy="3085560"/>
+            <a:ext cx="5485320" cy="3085200"/>
           </a:xfrm>
           <a:prstGeom prst="rect">
             <a:avLst/>
@@ -1430,7 +1430,7 @@
         <p:spPr>
           <a:xfrm>
             <a:off x="685800" y="4400640"/>
-            <a:ext cx="5485680" cy="3599640"/>
+            <a:ext cx="5485320" cy="3599280"/>
           </a:xfrm>
           <a:prstGeom prst="rect">
             <a:avLst/>
@@ -1464,7 +1464,7 @@
         <p:spPr>
           <a:xfrm>
             <a:off x="3884760" y="8685360"/>
-            <a:ext cx="2971080" cy="457920"/>
+            <a:ext cx="2970720" cy="457560"/>
           </a:xfrm>
           <a:prstGeom prst="rect">
             <a:avLst/>
@@ -1500,7 +1500,7 @@
               </a:lnSpc>
               <a:buNone/>
             </a:pPr>
-            <a:fld id="{66CBE585-B57A-487E-839E-AEEAA3FE9C76}" type="slidenum">
+            <a:fld id="{F0EEEED9-C454-4CE9-8287-8BA1439FC80F}" type="slidenum">
               <a:rPr b="0" lang="en-US" sz="1200" spc="-1" strike="noStrike">
                 <a:solidFill>
                   <a:srgbClr val="000000"/>
@@ -1551,7 +1551,7 @@
         <p:spPr>
           <a:xfrm>
             <a:off x="685800" y="1143000"/>
-            <a:ext cx="5485680" cy="3085560"/>
+            <a:ext cx="5485320" cy="3085200"/>
           </a:xfrm>
           <a:prstGeom prst="rect">
             <a:avLst/>
@@ -1574,7 +1574,7 @@
         <p:spPr>
           <a:xfrm>
             <a:off x="685800" y="4400640"/>
-            <a:ext cx="5485680" cy="3599640"/>
+            <a:ext cx="5485320" cy="3599280"/>
           </a:xfrm>
           <a:prstGeom prst="rect">
             <a:avLst/>
@@ -1608,7 +1608,7 @@
         <p:spPr>
           <a:xfrm>
             <a:off x="3884760" y="8685360"/>
-            <a:ext cx="2971080" cy="457920"/>
+            <a:ext cx="2970720" cy="457560"/>
           </a:xfrm>
           <a:prstGeom prst="rect">
             <a:avLst/>
@@ -1644,7 +1644,7 @@
               </a:lnSpc>
               <a:buNone/>
             </a:pPr>
-            <a:fld id="{B3F1389D-F11F-43E9-BA71-924826C2AC9D}" type="slidenum">
+            <a:fld id="{10BE8AA4-4495-4E2E-A4DC-BB8F06AC011D}" type="slidenum">
               <a:rPr b="0" lang="en-US" sz="1200" spc="-1" strike="noStrike">
                 <a:solidFill>
                   <a:srgbClr val="000000"/>
@@ -1695,7 +1695,7 @@
         <p:spPr>
           <a:xfrm>
             <a:off x="685800" y="1143000"/>
-            <a:ext cx="5485680" cy="3085560"/>
+            <a:ext cx="5485320" cy="3085200"/>
           </a:xfrm>
           <a:prstGeom prst="rect">
             <a:avLst/>
@@ -1718,7 +1718,7 @@
         <p:spPr>
           <a:xfrm>
             <a:off x="685800" y="4400640"/>
-            <a:ext cx="5485680" cy="3599640"/>
+            <a:ext cx="5485320" cy="3599280"/>
           </a:xfrm>
           <a:prstGeom prst="rect">
             <a:avLst/>
@@ -1752,7 +1752,7 @@
         <p:spPr>
           <a:xfrm>
             <a:off x="3884760" y="8685360"/>
-            <a:ext cx="2971080" cy="457920"/>
+            <a:ext cx="2970720" cy="457560"/>
           </a:xfrm>
           <a:prstGeom prst="rect">
             <a:avLst/>
@@ -1788,7 +1788,7 @@
               </a:lnSpc>
               <a:buNone/>
             </a:pPr>
-            <a:fld id="{12D6DAF7-5D6C-4748-8EA6-878FBCDCE6E2}" type="slidenum">
+            <a:fld id="{91C9D586-1154-4867-9C7B-3D9900A7A346}" type="slidenum">
               <a:rPr b="0" lang="en-US" sz="1200" spc="-1" strike="noStrike">
                 <a:solidFill>
                   <a:srgbClr val="000000"/>
@@ -1839,7 +1839,7 @@
         <p:spPr>
           <a:xfrm>
             <a:off x="685800" y="1143000"/>
-            <a:ext cx="5485680" cy="3085560"/>
+            <a:ext cx="5485320" cy="3085200"/>
           </a:xfrm>
           <a:prstGeom prst="rect">
             <a:avLst/>
@@ -1862,7 +1862,7 @@
         <p:spPr>
           <a:xfrm>
             <a:off x="685800" y="4400640"/>
-            <a:ext cx="5485680" cy="3599640"/>
+            <a:ext cx="5485320" cy="3599280"/>
           </a:xfrm>
           <a:prstGeom prst="rect">
             <a:avLst/>
@@ -1896,7 +1896,7 @@
         <p:spPr>
           <a:xfrm>
             <a:off x="3884760" y="8685360"/>
-            <a:ext cx="2971080" cy="457920"/>
+            <a:ext cx="2970720" cy="457560"/>
           </a:xfrm>
           <a:prstGeom prst="rect">
             <a:avLst/>
@@ -1932,7 +1932,7 @@
               </a:lnSpc>
               <a:buNone/>
             </a:pPr>
-            <a:fld id="{1C28110F-5750-4B01-98A2-DD8C6E5063D3}" type="slidenum">
+            <a:fld id="{14EDB657-C26C-4A10-BBBA-30AB3F56250C}" type="slidenum">
               <a:rPr b="0" lang="en-US" sz="1200" spc="-1" strike="noStrike">
                 <a:solidFill>
                   <a:srgbClr val="000000"/>
@@ -1983,7 +1983,7 @@
         <p:spPr>
           <a:xfrm>
             <a:off x="685800" y="1143000"/>
-            <a:ext cx="5485680" cy="3085560"/>
+            <a:ext cx="5485320" cy="3085200"/>
           </a:xfrm>
           <a:prstGeom prst="rect">
             <a:avLst/>
@@ -2006,7 +2006,7 @@
         <p:spPr>
           <a:xfrm>
             <a:off x="685800" y="4400640"/>
-            <a:ext cx="5485680" cy="3599640"/>
+            <a:ext cx="5485320" cy="3599280"/>
           </a:xfrm>
           <a:prstGeom prst="rect">
             <a:avLst/>
@@ -2040,7 +2040,7 @@
         <p:spPr>
           <a:xfrm>
             <a:off x="3884760" y="8685360"/>
-            <a:ext cx="2971080" cy="457920"/>
+            <a:ext cx="2970720" cy="457560"/>
           </a:xfrm>
           <a:prstGeom prst="rect">
             <a:avLst/>
@@ -2076,7 +2076,7 @@
               </a:lnSpc>
               <a:buNone/>
             </a:pPr>
-            <a:fld id="{E35FD7F0-B0DA-4379-BA25-E70954656CB8}" type="slidenum">
+            <a:fld id="{E71513D3-77B4-421E-8966-88E340956D1F}" type="slidenum">
               <a:rPr b="0" lang="en-US" sz="1200" spc="-1" strike="noStrike">
                 <a:solidFill>
                   <a:srgbClr val="000000"/>
@@ -2127,7 +2127,7 @@
         <p:spPr>
           <a:xfrm>
             <a:off x="685800" y="1143000"/>
-            <a:ext cx="5485680" cy="3085560"/>
+            <a:ext cx="5485320" cy="3085200"/>
           </a:xfrm>
           <a:prstGeom prst="rect">
             <a:avLst/>
@@ -2150,7 +2150,7 @@
         <p:spPr>
           <a:xfrm>
             <a:off x="685800" y="4400640"/>
-            <a:ext cx="5485680" cy="3599640"/>
+            <a:ext cx="5485320" cy="3599280"/>
           </a:xfrm>
           <a:prstGeom prst="rect">
             <a:avLst/>
@@ -2184,7 +2184,7 @@
         <p:spPr>
           <a:xfrm>
             <a:off x="3884760" y="8685360"/>
-            <a:ext cx="2971080" cy="457920"/>
+            <a:ext cx="2970720" cy="457560"/>
           </a:xfrm>
           <a:prstGeom prst="rect">
             <a:avLst/>
@@ -2220,7 +2220,7 @@
               </a:lnSpc>
               <a:buNone/>
             </a:pPr>
-            <a:fld id="{3F716DC6-0DF7-4420-8C14-9A1AFADC6F41}" type="slidenum">
+            <a:fld id="{536B47AD-A233-410C-BE5E-7718D30F3493}" type="slidenum">
               <a:rPr b="0" lang="en-US" sz="1200" spc="-1" strike="noStrike">
                 <a:solidFill>
                   <a:srgbClr val="000000"/>
@@ -2271,7 +2271,7 @@
         <p:spPr>
           <a:xfrm>
             <a:off x="685800" y="1143000"/>
-            <a:ext cx="5485680" cy="3085560"/>
+            <a:ext cx="5485320" cy="3085200"/>
           </a:xfrm>
           <a:prstGeom prst="rect">
             <a:avLst/>
@@ -2294,7 +2294,7 @@
         <p:spPr>
           <a:xfrm>
             <a:off x="685800" y="4400640"/>
-            <a:ext cx="5485680" cy="3599640"/>
+            <a:ext cx="5485320" cy="3599280"/>
           </a:xfrm>
           <a:prstGeom prst="rect">
             <a:avLst/>
@@ -2328,7 +2328,7 @@
         <p:spPr>
           <a:xfrm>
             <a:off x="3884760" y="8685360"/>
-            <a:ext cx="2971080" cy="457920"/>
+            <a:ext cx="2970720" cy="457560"/>
           </a:xfrm>
           <a:prstGeom prst="rect">
             <a:avLst/>
@@ -2364,7 +2364,7 @@
               </a:lnSpc>
               <a:buNone/>
             </a:pPr>
-            <a:fld id="{2B01063C-93D3-4A17-881C-DB6DC6135ED8}" type="slidenum">
+            <a:fld id="{D23028FE-30FA-4947-BB10-B872EDC0EC3D}" type="slidenum">
               <a:rPr b="0" lang="en-US" sz="1200" spc="-1" strike="noStrike">
                 <a:solidFill>
                   <a:srgbClr val="000000"/>
@@ -2415,7 +2415,7 @@
         <p:spPr>
           <a:xfrm>
             <a:off x="685800" y="1143000"/>
-            <a:ext cx="5485680" cy="3085560"/>
+            <a:ext cx="5485320" cy="3085200"/>
           </a:xfrm>
           <a:prstGeom prst="rect">
             <a:avLst/>
@@ -2438,7 +2438,7 @@
         <p:spPr>
           <a:xfrm>
             <a:off x="685800" y="4400640"/>
-            <a:ext cx="5485680" cy="3599640"/>
+            <a:ext cx="5485320" cy="3599280"/>
           </a:xfrm>
           <a:prstGeom prst="rect">
             <a:avLst/>
@@ -2472,7 +2472,7 @@
         <p:spPr>
           <a:xfrm>
             <a:off x="3884760" y="8685360"/>
-            <a:ext cx="2971080" cy="457920"/>
+            <a:ext cx="2970720" cy="457560"/>
           </a:xfrm>
           <a:prstGeom prst="rect">
             <a:avLst/>
@@ -2508,7 +2508,7 @@
               </a:lnSpc>
               <a:buNone/>
             </a:pPr>
-            <a:fld id="{05172944-9224-4CDE-80D3-773FF8547C4C}" type="slidenum">
+            <a:fld id="{7BC87FCC-A3C6-427A-86F6-5475037B394E}" type="slidenum">
               <a:rPr b="0" lang="en-US" sz="1200" spc="-1" strike="noStrike">
                 <a:solidFill>
                   <a:srgbClr val="000000"/>
@@ -2559,7 +2559,7 @@
         <p:spPr>
           <a:xfrm>
             <a:off x="685800" y="1143000"/>
-            <a:ext cx="5485680" cy="3085560"/>
+            <a:ext cx="5485320" cy="3085200"/>
           </a:xfrm>
           <a:prstGeom prst="rect">
             <a:avLst/>
@@ -2582,7 +2582,7 @@
         <p:spPr>
           <a:xfrm>
             <a:off x="685800" y="4400640"/>
-            <a:ext cx="5485680" cy="3599640"/>
+            <a:ext cx="5485320" cy="3599280"/>
           </a:xfrm>
           <a:prstGeom prst="rect">
             <a:avLst/>
@@ -2616,7 +2616,7 @@
         <p:spPr>
           <a:xfrm>
             <a:off x="3884760" y="8685360"/>
-            <a:ext cx="2971080" cy="457920"/>
+            <a:ext cx="2970720" cy="457560"/>
           </a:xfrm>
           <a:prstGeom prst="rect">
             <a:avLst/>
@@ -2652,7 +2652,7 @@
               </a:lnSpc>
               <a:buNone/>
             </a:pPr>
-            <a:fld id="{296EE120-11BA-4EE0-9ED5-BF38D9F613C2}" type="slidenum">
+            <a:fld id="{6E44B0D0-3E2A-4B61-875F-DA74EE9F5B58}" type="slidenum">
               <a:rPr b="0" lang="en-US" sz="1200" spc="-1" strike="noStrike">
                 <a:solidFill>
                   <a:srgbClr val="000000"/>
@@ -2703,7 +2703,7 @@
         <p:spPr>
           <a:xfrm>
             <a:off x="685800" y="1143000"/>
-            <a:ext cx="5485680" cy="3085560"/>
+            <a:ext cx="5485320" cy="3085200"/>
           </a:xfrm>
           <a:prstGeom prst="rect">
             <a:avLst/>
@@ -2726,7 +2726,7 @@
         <p:spPr>
           <a:xfrm>
             <a:off x="685800" y="4400640"/>
-            <a:ext cx="5485680" cy="3599640"/>
+            <a:ext cx="5485320" cy="3599280"/>
           </a:xfrm>
           <a:prstGeom prst="rect">
             <a:avLst/>
@@ -2760,7 +2760,7 @@
         <p:spPr>
           <a:xfrm>
             <a:off x="3884760" y="8685360"/>
-            <a:ext cx="2971080" cy="457920"/>
+            <a:ext cx="2970720" cy="457560"/>
           </a:xfrm>
           <a:prstGeom prst="rect">
             <a:avLst/>
@@ -2796,7 +2796,7 @@
               </a:lnSpc>
               <a:buNone/>
             </a:pPr>
-            <a:fld id="{3382E867-2F8B-4A2B-99F3-A87533A9EFA1}" type="slidenum">
+            <a:fld id="{6AD15A7A-DAC1-4B06-8BF3-CF248F832065}" type="slidenum">
               <a:rPr b="0" lang="en-US" sz="1200" spc="-1" strike="noStrike">
                 <a:solidFill>
                   <a:srgbClr val="000000"/>
@@ -2847,7 +2847,7 @@
         <p:spPr>
           <a:xfrm>
             <a:off x="685800" y="1143000"/>
-            <a:ext cx="5485680" cy="3085560"/>
+            <a:ext cx="5485320" cy="3085200"/>
           </a:xfrm>
           <a:prstGeom prst="rect">
             <a:avLst/>
@@ -2870,7 +2870,7 @@
         <p:spPr>
           <a:xfrm>
             <a:off x="685800" y="4400640"/>
-            <a:ext cx="5485680" cy="3599640"/>
+            <a:ext cx="5485320" cy="3599280"/>
           </a:xfrm>
           <a:prstGeom prst="rect">
             <a:avLst/>
@@ -2904,7 +2904,7 @@
         <p:spPr>
           <a:xfrm>
             <a:off x="3884760" y="8685360"/>
-            <a:ext cx="2971080" cy="457920"/>
+            <a:ext cx="2970720" cy="457560"/>
           </a:xfrm>
           <a:prstGeom prst="rect">
             <a:avLst/>
@@ -2940,7 +2940,7 @@
               </a:lnSpc>
               <a:buNone/>
             </a:pPr>
-            <a:fld id="{B49CD2ED-7F2C-4634-9670-B77EC566ED21}" type="slidenum">
+            <a:fld id="{533D454A-E8E7-478C-B0F6-6CD4606523B0}" type="slidenum">
               <a:rPr b="0" lang="en-US" sz="1200" spc="-1" strike="noStrike">
                 <a:solidFill>
                   <a:srgbClr val="000000"/>
@@ -2991,7 +2991,7 @@
         <p:spPr>
           <a:xfrm>
             <a:off x="685800" y="1143000"/>
-            <a:ext cx="5485680" cy="3085560"/>
+            <a:ext cx="5485320" cy="3085200"/>
           </a:xfrm>
           <a:prstGeom prst="rect">
             <a:avLst/>
@@ -3014,7 +3014,7 @@
         <p:spPr>
           <a:xfrm>
             <a:off x="685800" y="4400640"/>
-            <a:ext cx="5485680" cy="3599640"/>
+            <a:ext cx="5485320" cy="3599280"/>
           </a:xfrm>
           <a:prstGeom prst="rect">
             <a:avLst/>
@@ -3048,7 +3048,7 @@
         <p:spPr>
           <a:xfrm>
             <a:off x="3884760" y="8685360"/>
-            <a:ext cx="2971080" cy="457920"/>
+            <a:ext cx="2970720" cy="457560"/>
           </a:xfrm>
           <a:prstGeom prst="rect">
             <a:avLst/>
@@ -3084,7 +3084,7 @@
               </a:lnSpc>
               <a:buNone/>
             </a:pPr>
-            <a:fld id="{B6ACB795-660F-4230-B520-A8FA57DCADD8}" type="slidenum">
+            <a:fld id="{DEA8CD1D-A2EB-4981-B1A2-E8CC673B8474}" type="slidenum">
               <a:rPr b="0" lang="en-US" sz="1200" spc="-1" strike="noStrike">
                 <a:solidFill>
                   <a:srgbClr val="000000"/>
@@ -3135,7 +3135,7 @@
         <p:spPr>
           <a:xfrm>
             <a:off x="685800" y="1143000"/>
-            <a:ext cx="5485680" cy="3085560"/>
+            <a:ext cx="5485320" cy="3085200"/>
           </a:xfrm>
           <a:prstGeom prst="rect">
             <a:avLst/>
@@ -3158,7 +3158,7 @@
         <p:spPr>
           <a:xfrm>
             <a:off x="685800" y="4400640"/>
-            <a:ext cx="5485680" cy="3599640"/>
+            <a:ext cx="5485320" cy="3599280"/>
           </a:xfrm>
           <a:prstGeom prst="rect">
             <a:avLst/>
@@ -3192,7 +3192,7 @@
         <p:spPr>
           <a:xfrm>
             <a:off x="3884760" y="8685360"/>
-            <a:ext cx="2971080" cy="457920"/>
+            <a:ext cx="2970720" cy="457560"/>
           </a:xfrm>
           <a:prstGeom prst="rect">
             <a:avLst/>
@@ -3228,7 +3228,7 @@
               </a:lnSpc>
               <a:buNone/>
             </a:pPr>
-            <a:fld id="{EB56F46D-269A-4E36-BB6F-E343117244B1}" type="slidenum">
+            <a:fld id="{0E53B599-18A9-45D4-848E-E58A01448A69}" type="slidenum">
               <a:rPr b="0" lang="en-US" sz="1200" spc="-1" strike="noStrike">
                 <a:solidFill>
                   <a:srgbClr val="000000"/>
@@ -3279,7 +3279,7 @@
         <p:spPr>
           <a:xfrm>
             <a:off x="685800" y="1143000"/>
-            <a:ext cx="5485680" cy="3085560"/>
+            <a:ext cx="5485320" cy="3085200"/>
           </a:xfrm>
           <a:prstGeom prst="rect">
             <a:avLst/>
@@ -3302,7 +3302,7 @@
         <p:spPr>
           <a:xfrm>
             <a:off x="685800" y="4400640"/>
-            <a:ext cx="5485680" cy="3599640"/>
+            <a:ext cx="5485320" cy="3599280"/>
           </a:xfrm>
           <a:prstGeom prst="rect">
             <a:avLst/>
@@ -3336,7 +3336,7 @@
         <p:spPr>
           <a:xfrm>
             <a:off x="3884760" y="8685360"/>
-            <a:ext cx="2971080" cy="457920"/>
+            <a:ext cx="2970720" cy="457560"/>
           </a:xfrm>
           <a:prstGeom prst="rect">
             <a:avLst/>
@@ -3372,7 +3372,7 @@
               </a:lnSpc>
               <a:buNone/>
             </a:pPr>
-            <a:fld id="{2F6C68E5-226D-4FDE-AD11-1CD6AD0E5DB6}" type="slidenum">
+            <a:fld id="{555F72DA-173A-4241-A126-829B1E4F5E49}" type="slidenum">
               <a:rPr b="0" lang="en-US" sz="1200" spc="-1" strike="noStrike">
                 <a:solidFill>
                   <a:srgbClr val="000000"/>
@@ -3423,7 +3423,7 @@
         <p:spPr>
           <a:xfrm>
             <a:off x="685800" y="1143000"/>
-            <a:ext cx="5485680" cy="3085560"/>
+            <a:ext cx="5485320" cy="3085200"/>
           </a:xfrm>
           <a:prstGeom prst="rect">
             <a:avLst/>
@@ -3446,7 +3446,7 @@
         <p:spPr>
           <a:xfrm>
             <a:off x="685800" y="4400640"/>
-            <a:ext cx="5485680" cy="3599640"/>
+            <a:ext cx="5485320" cy="3599280"/>
           </a:xfrm>
           <a:prstGeom prst="rect">
             <a:avLst/>
@@ -3480,7 +3480,7 @@
         <p:spPr>
           <a:xfrm>
             <a:off x="3884760" y="8685360"/>
-            <a:ext cx="2971080" cy="457920"/>
+            <a:ext cx="2970720" cy="457560"/>
           </a:xfrm>
           <a:prstGeom prst="rect">
             <a:avLst/>
@@ -3516,7 +3516,7 @@
               </a:lnSpc>
               <a:buNone/>
             </a:pPr>
-            <a:fld id="{BB64E3FB-4C86-4070-BF6A-87FF3C590518}" type="slidenum">
+            <a:fld id="{2CE58EA2-B50B-4CB8-99CF-3CE484955ADC}" type="slidenum">
               <a:rPr b="0" lang="en-US" sz="1200" spc="-1" strike="noStrike">
                 <a:solidFill>
                   <a:srgbClr val="000000"/>
@@ -3567,7 +3567,7 @@
         <p:spPr>
           <a:xfrm>
             <a:off x="685800" y="1143000"/>
-            <a:ext cx="5485680" cy="3085560"/>
+            <a:ext cx="5485320" cy="3085200"/>
           </a:xfrm>
           <a:prstGeom prst="rect">
             <a:avLst/>
@@ -3590,7 +3590,7 @@
         <p:spPr>
           <a:xfrm>
             <a:off x="685800" y="4400640"/>
-            <a:ext cx="5485680" cy="3599640"/>
+            <a:ext cx="5485320" cy="3599280"/>
           </a:xfrm>
           <a:prstGeom prst="rect">
             <a:avLst/>
@@ -3624,7 +3624,7 @@
         <p:spPr>
           <a:xfrm>
             <a:off x="3884760" y="8685360"/>
-            <a:ext cx="2971080" cy="457920"/>
+            <a:ext cx="2970720" cy="457560"/>
           </a:xfrm>
           <a:prstGeom prst="rect">
             <a:avLst/>
@@ -3660,7 +3660,7 @@
               </a:lnSpc>
               <a:buNone/>
             </a:pPr>
-            <a:fld id="{C69A8EC6-B197-4549-A44D-F142FD3C31C6}" type="slidenum">
+            <a:fld id="{E3C24354-ABE2-40E8-8775-8AAB56C6ED11}" type="slidenum">
               <a:rPr b="0" lang="en-US" sz="1200" spc="-1" strike="noStrike">
                 <a:solidFill>
                   <a:srgbClr val="000000"/>
@@ -3711,7 +3711,7 @@
         <p:spPr>
           <a:xfrm>
             <a:off x="685800" y="1143000"/>
-            <a:ext cx="5485680" cy="3085560"/>
+            <a:ext cx="5485320" cy="3085200"/>
           </a:xfrm>
           <a:prstGeom prst="rect">
             <a:avLst/>
@@ -3734,7 +3734,7 @@
         <p:spPr>
           <a:xfrm>
             <a:off x="685800" y="4400640"/>
-            <a:ext cx="5485680" cy="3599640"/>
+            <a:ext cx="5485320" cy="3599280"/>
           </a:xfrm>
           <a:prstGeom prst="rect">
             <a:avLst/>
@@ -3768,7 +3768,7 @@
         <p:spPr>
           <a:xfrm>
             <a:off x="3884760" y="8685360"/>
-            <a:ext cx="2971080" cy="457920"/>
+            <a:ext cx="2970720" cy="457560"/>
           </a:xfrm>
           <a:prstGeom prst="rect">
             <a:avLst/>
@@ -3804,7 +3804,7 @@
               </a:lnSpc>
               <a:buNone/>
             </a:pPr>
-            <a:fld id="{917178E7-EF7C-4586-9B29-1CF3FB4CDCB3}" type="slidenum">
+            <a:fld id="{19F40692-A9B0-403A-8151-507298E9C5D5}" type="slidenum">
               <a:rPr b="0" lang="en-US" sz="1200" spc="-1" strike="noStrike">
                 <a:solidFill>
                   <a:srgbClr val="000000"/>
@@ -3855,7 +3855,7 @@
         <p:spPr>
           <a:xfrm>
             <a:off x="685800" y="1143000"/>
-            <a:ext cx="5485680" cy="3085560"/>
+            <a:ext cx="5485320" cy="3085200"/>
           </a:xfrm>
           <a:prstGeom prst="rect">
             <a:avLst/>
@@ -3878,7 +3878,7 @@
         <p:spPr>
           <a:xfrm>
             <a:off x="685800" y="4400640"/>
-            <a:ext cx="5485680" cy="3599640"/>
+            <a:ext cx="5485320" cy="3599280"/>
           </a:xfrm>
           <a:prstGeom prst="rect">
             <a:avLst/>
@@ -3912,7 +3912,7 @@
         <p:spPr>
           <a:xfrm>
             <a:off x="3884760" y="8685360"/>
-            <a:ext cx="2971080" cy="457920"/>
+            <a:ext cx="2970720" cy="457560"/>
           </a:xfrm>
           <a:prstGeom prst="rect">
             <a:avLst/>
@@ -3948,7 +3948,7 @@
               </a:lnSpc>
               <a:buNone/>
             </a:pPr>
-            <a:fld id="{C0B6263F-229B-4D13-A8CF-9B95AA3C95E4}" type="slidenum">
+            <a:fld id="{EDFB4FB6-EC80-4FD5-94D5-69DF2F4C6092}" type="slidenum">
               <a:rPr b="0" lang="en-US" sz="1200" spc="-1" strike="noStrike">
                 <a:solidFill>
                   <a:srgbClr val="000000"/>
@@ -3999,7 +3999,7 @@
         <p:spPr>
           <a:xfrm>
             <a:off x="685800" y="1143000"/>
-            <a:ext cx="5485680" cy="3085560"/>
+            <a:ext cx="5485320" cy="3085200"/>
           </a:xfrm>
           <a:prstGeom prst="rect">
             <a:avLst/>
@@ -4022,7 +4022,7 @@
         <p:spPr>
           <a:xfrm>
             <a:off x="685800" y="4400640"/>
-            <a:ext cx="5485680" cy="3599640"/>
+            <a:ext cx="5485320" cy="3599280"/>
           </a:xfrm>
           <a:prstGeom prst="rect">
             <a:avLst/>
@@ -4056,7 +4056,7 @@
         <p:spPr>
           <a:xfrm>
             <a:off x="3884760" y="8685360"/>
-            <a:ext cx="2971080" cy="457920"/>
+            <a:ext cx="2970720" cy="457560"/>
           </a:xfrm>
           <a:prstGeom prst="rect">
             <a:avLst/>
@@ -4092,7 +4092,7 @@
               </a:lnSpc>
               <a:buNone/>
             </a:pPr>
-            <a:fld id="{75F41278-D6A2-4139-8FCD-00E9EC5DB1B0}" type="slidenum">
+            <a:fld id="{0AFD3ABC-0CF4-4DCB-AB92-5B24C1AC9BEE}" type="slidenum">
               <a:rPr b="0" lang="en-US" sz="1200" spc="-1" strike="noStrike">
                 <a:solidFill>
                   <a:srgbClr val="000000"/>
@@ -4143,7 +4143,7 @@
         <p:spPr>
           <a:xfrm>
             <a:off x="685800" y="1143000"/>
-            <a:ext cx="5485680" cy="3085560"/>
+            <a:ext cx="5485320" cy="3085200"/>
           </a:xfrm>
           <a:prstGeom prst="rect">
             <a:avLst/>
@@ -4166,7 +4166,7 @@
         <p:spPr>
           <a:xfrm>
             <a:off x="685800" y="4400640"/>
-            <a:ext cx="5485680" cy="3599640"/>
+            <a:ext cx="5485320" cy="3599280"/>
           </a:xfrm>
           <a:prstGeom prst="rect">
             <a:avLst/>
@@ -4200,7 +4200,7 @@
         <p:spPr>
           <a:xfrm>
             <a:off x="3884760" y="8685360"/>
-            <a:ext cx="2971080" cy="457920"/>
+            <a:ext cx="2970720" cy="457560"/>
           </a:xfrm>
           <a:prstGeom prst="rect">
             <a:avLst/>
@@ -4236,7 +4236,7 @@
               </a:lnSpc>
               <a:buNone/>
             </a:pPr>
-            <a:fld id="{11A744B6-48C9-4DCB-81B2-82E0CEB7A01D}" type="slidenum">
+            <a:fld id="{51D08814-F396-4545-BF09-C4BCFC723E4A}" type="slidenum">
               <a:rPr b="0" lang="en-US" sz="1200" spc="-1" strike="noStrike">
                 <a:solidFill>
                   <a:srgbClr val="000000"/>
@@ -4287,7 +4287,7 @@
         <p:spPr>
           <a:xfrm>
             <a:off x="685800" y="1143000"/>
-            <a:ext cx="5485680" cy="3085560"/>
+            <a:ext cx="5485320" cy="3085200"/>
           </a:xfrm>
           <a:prstGeom prst="rect">
             <a:avLst/>
@@ -4310,7 +4310,7 @@
         <p:spPr>
           <a:xfrm>
             <a:off x="685800" y="4400640"/>
-            <a:ext cx="5485680" cy="3599640"/>
+            <a:ext cx="5485320" cy="3599280"/>
           </a:xfrm>
           <a:prstGeom prst="rect">
             <a:avLst/>
@@ -4344,7 +4344,7 @@
         <p:spPr>
           <a:xfrm>
             <a:off x="3884760" y="8685360"/>
-            <a:ext cx="2971080" cy="457920"/>
+            <a:ext cx="2970720" cy="457560"/>
           </a:xfrm>
           <a:prstGeom prst="rect">
             <a:avLst/>
@@ -4380,7 +4380,7 @@
               </a:lnSpc>
               <a:buNone/>
             </a:pPr>
-            <a:fld id="{D9E94EE7-6BDF-490C-AD76-8C760D645F2A}" type="slidenum">
+            <a:fld id="{25FEE865-B355-44CF-AF56-C8966D0BB586}" type="slidenum">
               <a:rPr b="0" lang="en-US" sz="1200" spc="-1" strike="noStrike">
                 <a:solidFill>
                   <a:srgbClr val="000000"/>
@@ -4431,7 +4431,7 @@
         <p:spPr>
           <a:xfrm>
             <a:off x="685800" y="1143000"/>
-            <a:ext cx="5485680" cy="3085560"/>
+            <a:ext cx="5485320" cy="3085200"/>
           </a:xfrm>
           <a:prstGeom prst="rect">
             <a:avLst/>
@@ -4454,7 +4454,7 @@
         <p:spPr>
           <a:xfrm>
             <a:off x="685800" y="4400640"/>
-            <a:ext cx="5485680" cy="3599640"/>
+            <a:ext cx="5485320" cy="3599280"/>
           </a:xfrm>
           <a:prstGeom prst="rect">
             <a:avLst/>
@@ -4488,7 +4488,7 @@
         <p:spPr>
           <a:xfrm>
             <a:off x="3884760" y="8685360"/>
-            <a:ext cx="2971080" cy="457920"/>
+            <a:ext cx="2970720" cy="457560"/>
           </a:xfrm>
           <a:prstGeom prst="rect">
             <a:avLst/>
@@ -4524,7 +4524,7 @@
               </a:lnSpc>
               <a:buNone/>
             </a:pPr>
-            <a:fld id="{37D518E4-08A4-4DAD-9A92-38A9611D4AF2}" type="slidenum">
+            <a:fld id="{A929F2C1-E4A9-4490-95C3-20AE849D5D16}" type="slidenum">
               <a:rPr b="0" lang="en-US" sz="1200" spc="-1" strike="noStrike">
                 <a:solidFill>
                   <a:srgbClr val="000000"/>
@@ -4575,7 +4575,7 @@
         <p:spPr>
           <a:xfrm>
             <a:off x="685800" y="1143000"/>
-            <a:ext cx="5485680" cy="3085560"/>
+            <a:ext cx="5485320" cy="3085200"/>
           </a:xfrm>
           <a:prstGeom prst="rect">
             <a:avLst/>
@@ -4598,7 +4598,7 @@
         <p:spPr>
           <a:xfrm>
             <a:off x="685800" y="4400640"/>
-            <a:ext cx="5485680" cy="3599640"/>
+            <a:ext cx="5485320" cy="3599280"/>
           </a:xfrm>
           <a:prstGeom prst="rect">
             <a:avLst/>
@@ -4632,7 +4632,7 @@
         <p:spPr>
           <a:xfrm>
             <a:off x="3884760" y="8685360"/>
-            <a:ext cx="2971080" cy="457920"/>
+            <a:ext cx="2970720" cy="457560"/>
           </a:xfrm>
           <a:prstGeom prst="rect">
             <a:avLst/>
@@ -4668,7 +4668,7 @@
               </a:lnSpc>
               <a:buNone/>
             </a:pPr>
-            <a:fld id="{112213DA-7B08-4485-8358-8B795B4C4B3A}" type="slidenum">
+            <a:fld id="{75FFCC5C-447C-4F0D-ADF1-6A8955784748}" type="slidenum">
               <a:rPr b="0" lang="en-US" sz="1200" spc="-1" strike="noStrike">
                 <a:solidFill>
                   <a:srgbClr val="000000"/>
@@ -4719,7 +4719,7 @@
         <p:spPr>
           <a:xfrm>
             <a:off x="685800" y="1143000"/>
-            <a:ext cx="5485680" cy="3085560"/>
+            <a:ext cx="5485320" cy="3085200"/>
           </a:xfrm>
           <a:prstGeom prst="rect">
             <a:avLst/>
@@ -4742,7 +4742,7 @@
         <p:spPr>
           <a:xfrm>
             <a:off x="685800" y="4400640"/>
-            <a:ext cx="5485680" cy="3599640"/>
+            <a:ext cx="5485320" cy="3599280"/>
           </a:xfrm>
           <a:prstGeom prst="rect">
             <a:avLst/>
@@ -4776,7 +4776,7 @@
         <p:spPr>
           <a:xfrm>
             <a:off x="3884760" y="8685360"/>
-            <a:ext cx="2971080" cy="457920"/>
+            <a:ext cx="2970720" cy="457560"/>
           </a:xfrm>
           <a:prstGeom prst="rect">
             <a:avLst/>
@@ -4812,7 +4812,7 @@
               </a:lnSpc>
               <a:buNone/>
             </a:pPr>
-            <a:fld id="{A32019F7-5BBD-4261-B2ED-E4CFAF3C1B93}" type="slidenum">
+            <a:fld id="{0256F8EC-F96B-4FDA-804B-FA2D1C85FE8D}" type="slidenum">
               <a:rPr b="0" lang="en-US" sz="1200" spc="-1" strike="noStrike">
                 <a:solidFill>
                   <a:srgbClr val="000000"/>
@@ -6868,7 +6868,7 @@
         <p:spPr>
           <a:xfrm>
             <a:off x="3840480" y="1188720"/>
-            <a:ext cx="1462320" cy="1462320"/>
+            <a:ext cx="1461960" cy="1461960"/>
           </a:xfrm>
           <a:prstGeom prst="rect">
             <a:avLst/>
@@ -6887,7 +6887,7 @@
         <p:spPr>
           <a:xfrm>
             <a:off x="457200" y="2926080"/>
-            <a:ext cx="8228880" cy="547920"/>
+            <a:ext cx="8228520" cy="547560"/>
           </a:xfrm>
           <a:prstGeom prst="rect">
             <a:avLst/>
@@ -6942,7 +6942,7 @@
         <p:spPr>
           <a:xfrm>
             <a:off x="457200" y="3657600"/>
-            <a:ext cx="8228880" cy="456480"/>
+            <a:ext cx="8228520" cy="456120"/>
           </a:xfrm>
           <a:prstGeom prst="rect">
             <a:avLst/>
@@ -6997,7 +6997,7 @@
         <p:spPr>
           <a:xfrm>
             <a:off x="457200" y="4297680"/>
-            <a:ext cx="8228880" cy="365040"/>
+            <a:ext cx="8228520" cy="364680"/>
           </a:xfrm>
           <a:prstGeom prst="rect">
             <a:avLst/>
@@ -7089,7 +7089,7 @@
         <p:spPr>
           <a:xfrm>
             <a:off x="457200" y="274320"/>
-            <a:ext cx="8228880" cy="547920"/>
+            <a:ext cx="8228520" cy="547560"/>
           </a:xfrm>
           <a:prstGeom prst="rect">
             <a:avLst/>
@@ -7144,7 +7144,7 @@
         <p:spPr>
           <a:xfrm>
             <a:off x="731520" y="1097280"/>
-            <a:ext cx="7680240" cy="3291120"/>
+            <a:ext cx="7679880" cy="3290760"/>
           </a:xfrm>
           <a:prstGeom prst="rect">
             <a:avLst/>
@@ -7172,7 +7172,7 @@
         <p:spPr>
           <a:xfrm>
             <a:off x="914400" y="1234440"/>
-            <a:ext cx="7314480" cy="3016800"/>
+            <a:ext cx="7314120" cy="3016440"/>
           </a:xfrm>
           <a:prstGeom prst="rect">
             <a:avLst/>
@@ -7546,7 +7546,7 @@
         <p:spPr>
           <a:xfrm>
             <a:off x="457200" y="274320"/>
-            <a:ext cx="8228880" cy="547920"/>
+            <a:ext cx="8228520" cy="547560"/>
           </a:xfrm>
           <a:prstGeom prst="rect">
             <a:avLst/>
@@ -7605,7 +7605,7 @@
         <p:spPr>
           <a:xfrm>
             <a:off x="7772400" y="228600"/>
-            <a:ext cx="639360" cy="639360"/>
+            <a:ext cx="639000" cy="639000"/>
           </a:xfrm>
           <a:prstGeom prst="rect">
             <a:avLst/>
@@ -7624,7 +7624,7 @@
         <p:spPr>
           <a:xfrm>
             <a:off x="914400" y="1097280"/>
-            <a:ext cx="7314480" cy="639360"/>
+            <a:ext cx="7314120" cy="639000"/>
           </a:xfrm>
           <a:prstGeom prst="rect">
             <a:avLst/>
@@ -7655,7 +7655,7 @@
         <p:spPr>
           <a:xfrm>
             <a:off x="914400" y="1188720"/>
-            <a:ext cx="7314480" cy="456480"/>
+            <a:ext cx="7314120" cy="456120"/>
           </a:xfrm>
           <a:prstGeom prst="rect">
             <a:avLst/>
@@ -7734,7 +7734,7 @@
         <p:spPr>
           <a:xfrm>
             <a:off x="1371600" y="2011680"/>
-            <a:ext cx="6400080" cy="1188000"/>
+            <a:ext cx="6399720" cy="1187640"/>
           </a:xfrm>
           <a:prstGeom prst="rect">
             <a:avLst/>
@@ -7762,7 +7762,7 @@
         <p:spPr>
           <a:xfrm>
             <a:off x="1554480" y="2148840"/>
-            <a:ext cx="6034320" cy="913680"/>
+            <a:ext cx="6033960" cy="913320"/>
           </a:xfrm>
           <a:prstGeom prst="rect">
             <a:avLst/>
@@ -7927,7 +7927,7 @@
         <p:spPr>
           <a:xfrm>
             <a:off x="1371600" y="3383280"/>
-            <a:ext cx="6400080" cy="273600"/>
+            <a:ext cx="6399720" cy="273240"/>
           </a:xfrm>
           <a:prstGeom prst="rect">
             <a:avLst/>
@@ -7982,7 +7982,7 @@
         <p:spPr>
           <a:xfrm>
             <a:off x="1371600" y="3703320"/>
-            <a:ext cx="6400080" cy="273600"/>
+            <a:ext cx="6399720" cy="273240"/>
           </a:xfrm>
           <a:prstGeom prst="rect">
             <a:avLst/>
@@ -8074,7 +8074,7 @@
         <p:spPr>
           <a:xfrm>
             <a:off x="457200" y="274320"/>
-            <a:ext cx="8228880" cy="547920"/>
+            <a:ext cx="8228520" cy="547560"/>
           </a:xfrm>
           <a:prstGeom prst="rect">
             <a:avLst/>
@@ -8133,7 +8133,7 @@
         <p:spPr>
           <a:xfrm>
             <a:off x="7772400" y="228600"/>
-            <a:ext cx="639360" cy="639360"/>
+            <a:ext cx="639000" cy="639000"/>
           </a:xfrm>
           <a:prstGeom prst="rect">
             <a:avLst/>
@@ -8152,7 +8152,7 @@
         <p:spPr>
           <a:xfrm>
             <a:off x="914400" y="1097280"/>
-            <a:ext cx="7314480" cy="547920"/>
+            <a:ext cx="7314120" cy="547560"/>
           </a:xfrm>
           <a:prstGeom prst="rect">
             <a:avLst/>
@@ -8183,7 +8183,7 @@
         <p:spPr>
           <a:xfrm>
             <a:off x="914400" y="1188720"/>
-            <a:ext cx="7314480" cy="365040"/>
+            <a:ext cx="7314120" cy="364680"/>
           </a:xfrm>
           <a:prstGeom prst="rect">
             <a:avLst/>
@@ -8238,7 +8238,7 @@
         <p:spPr>
           <a:xfrm>
             <a:off x="1371600" y="1920240"/>
-            <a:ext cx="6400080" cy="1370880"/>
+            <a:ext cx="6399720" cy="1370520"/>
           </a:xfrm>
           <a:prstGeom prst="rect">
             <a:avLst/>
@@ -8266,7 +8266,7 @@
         <p:spPr>
           <a:xfrm>
             <a:off x="1554480" y="2057400"/>
-            <a:ext cx="6034320" cy="1096560"/>
+            <a:ext cx="6033960" cy="1096200"/>
           </a:xfrm>
           <a:prstGeom prst="rect">
             <a:avLst/>
@@ -8468,7 +8468,7 @@
         <p:spPr>
           <a:xfrm>
             <a:off x="457200" y="274320"/>
-            <a:ext cx="8228880" cy="547920"/>
+            <a:ext cx="8228520" cy="547560"/>
           </a:xfrm>
           <a:prstGeom prst="rect">
             <a:avLst/>
@@ -8527,7 +8527,7 @@
         <p:spPr>
           <a:xfrm>
             <a:off x="7772400" y="228600"/>
-            <a:ext cx="639360" cy="639360"/>
+            <a:ext cx="639000" cy="639000"/>
           </a:xfrm>
           <a:prstGeom prst="rect">
             <a:avLst/>
@@ -8546,7 +8546,7 @@
         <p:spPr>
           <a:xfrm>
             <a:off x="914400" y="1097280"/>
-            <a:ext cx="7314480" cy="547920"/>
+            <a:ext cx="7314120" cy="547560"/>
           </a:xfrm>
           <a:prstGeom prst="rect">
             <a:avLst/>
@@ -8577,7 +8577,7 @@
         <p:spPr>
           <a:xfrm>
             <a:off x="914400" y="1188720"/>
-            <a:ext cx="7314480" cy="365040"/>
+            <a:ext cx="7314120" cy="364680"/>
           </a:xfrm>
           <a:prstGeom prst="rect">
             <a:avLst/>
@@ -8632,7 +8632,7 @@
         <p:spPr>
           <a:xfrm>
             <a:off x="1371600" y="1920240"/>
-            <a:ext cx="6400080" cy="1096560"/>
+            <a:ext cx="6399720" cy="1096200"/>
           </a:xfrm>
           <a:prstGeom prst="rect">
             <a:avLst/>
@@ -8660,7 +8660,7 @@
         <p:spPr>
           <a:xfrm>
             <a:off x="1554480" y="2057400"/>
-            <a:ext cx="6034320" cy="822240"/>
+            <a:ext cx="6033960" cy="821880"/>
           </a:xfrm>
           <a:prstGeom prst="rect">
             <a:avLst/>
@@ -8838,7 +8838,7 @@
         <p:spPr>
           <a:xfrm>
             <a:off x="457200" y="274320"/>
-            <a:ext cx="8228880" cy="547920"/>
+            <a:ext cx="8228520" cy="547560"/>
           </a:xfrm>
           <a:prstGeom prst="rect">
             <a:avLst/>
@@ -8897,7 +8897,7 @@
         <p:spPr>
           <a:xfrm>
             <a:off x="7772400" y="228600"/>
-            <a:ext cx="639360" cy="639360"/>
+            <a:ext cx="639000" cy="639000"/>
           </a:xfrm>
           <a:prstGeom prst="rect">
             <a:avLst/>
@@ -8916,7 +8916,7 @@
         <p:spPr>
           <a:xfrm>
             <a:off x="914400" y="1097280"/>
-            <a:ext cx="7314480" cy="547920"/>
+            <a:ext cx="7314120" cy="547560"/>
           </a:xfrm>
           <a:prstGeom prst="rect">
             <a:avLst/>
@@ -8947,7 +8947,7 @@
         <p:spPr>
           <a:xfrm>
             <a:off x="914400" y="1188720"/>
-            <a:ext cx="7314480" cy="365040"/>
+            <a:ext cx="7314120" cy="364680"/>
           </a:xfrm>
           <a:prstGeom prst="rect">
             <a:avLst/>
@@ -9002,7 +9002,7 @@
         <p:spPr>
           <a:xfrm>
             <a:off x="914400" y="1920240"/>
-            <a:ext cx="7314480" cy="2285280"/>
+            <a:ext cx="7314120" cy="2284920"/>
           </a:xfrm>
           <a:prstGeom prst="rect">
             <a:avLst/>
@@ -9030,7 +9030,7 @@
         <p:spPr>
           <a:xfrm>
             <a:off x="1097280" y="2057400"/>
-            <a:ext cx="6948720" cy="2010960"/>
+            <a:ext cx="6948360" cy="2010600"/>
           </a:xfrm>
           <a:prstGeom prst="rect">
             <a:avLst/>
@@ -9246,7 +9246,7 @@
         <p:spPr>
           <a:xfrm>
             <a:off x="457200" y="274320"/>
-            <a:ext cx="8228880" cy="547920"/>
+            <a:ext cx="8228520" cy="547560"/>
           </a:xfrm>
           <a:prstGeom prst="rect">
             <a:avLst/>
@@ -9305,7 +9305,7 @@
         <p:spPr>
           <a:xfrm>
             <a:off x="7772400" y="228600"/>
-            <a:ext cx="639360" cy="639360"/>
+            <a:ext cx="639000" cy="639000"/>
           </a:xfrm>
           <a:prstGeom prst="rect">
             <a:avLst/>
@@ -9324,7 +9324,7 @@
         <p:spPr>
           <a:xfrm>
             <a:off x="914400" y="1280160"/>
-            <a:ext cx="7314480" cy="1005120"/>
+            <a:ext cx="7314120" cy="1004760"/>
           </a:xfrm>
           <a:prstGeom prst="rect">
             <a:avLst/>
@@ -9355,7 +9355,7 @@
         <p:spPr>
           <a:xfrm>
             <a:off x="1188720" y="1417320"/>
-            <a:ext cx="1828080" cy="273600"/>
+            <a:ext cx="1827720" cy="273240"/>
           </a:xfrm>
           <a:prstGeom prst="rect">
             <a:avLst/>
@@ -9410,7 +9410,7 @@
         <p:spPr>
           <a:xfrm>
             <a:off x="3200400" y="1417320"/>
-            <a:ext cx="4754160" cy="227880"/>
+            <a:ext cx="4753800" cy="227520"/>
           </a:xfrm>
           <a:prstGeom prst="rect">
             <a:avLst/>
@@ -9465,7 +9465,7 @@
         <p:spPr>
           <a:xfrm>
             <a:off x="3200400" y="1737360"/>
-            <a:ext cx="4754160" cy="456480"/>
+            <a:ext cx="4753800" cy="456120"/>
           </a:xfrm>
           <a:prstGeom prst="rect">
             <a:avLst/>
@@ -9493,7 +9493,7 @@
         <p:spPr>
           <a:xfrm>
             <a:off x="3291840" y="1828800"/>
-            <a:ext cx="4571280" cy="273600"/>
+            <a:ext cx="4570920" cy="273240"/>
           </a:xfrm>
           <a:prstGeom prst="rect">
             <a:avLst/>
@@ -9572,7 +9572,7 @@
         <p:spPr>
           <a:xfrm>
             <a:off x="914400" y="2423160"/>
-            <a:ext cx="7314480" cy="1005120"/>
+            <a:ext cx="7314120" cy="1004760"/>
           </a:xfrm>
           <a:prstGeom prst="rect">
             <a:avLst/>
@@ -9603,7 +9603,7 @@
         <p:spPr>
           <a:xfrm>
             <a:off x="1188720" y="2560320"/>
-            <a:ext cx="1828080" cy="273600"/>
+            <a:ext cx="1827720" cy="273240"/>
           </a:xfrm>
           <a:prstGeom prst="rect">
             <a:avLst/>
@@ -9658,7 +9658,7 @@
         <p:spPr>
           <a:xfrm>
             <a:off x="3200400" y="2560320"/>
-            <a:ext cx="4754160" cy="227880"/>
+            <a:ext cx="4753800" cy="227520"/>
           </a:xfrm>
           <a:prstGeom prst="rect">
             <a:avLst/>
@@ -9713,7 +9713,7 @@
         <p:spPr>
           <a:xfrm>
             <a:off x="3200400" y="2880360"/>
-            <a:ext cx="4754160" cy="456480"/>
+            <a:ext cx="4753800" cy="456120"/>
           </a:xfrm>
           <a:prstGeom prst="rect">
             <a:avLst/>
@@ -9741,7 +9741,7 @@
         <p:spPr>
           <a:xfrm>
             <a:off x="3291840" y="2971800"/>
-            <a:ext cx="4571280" cy="273600"/>
+            <a:ext cx="4570920" cy="273240"/>
           </a:xfrm>
           <a:prstGeom prst="rect">
             <a:avLst/>
@@ -9820,7 +9820,7 @@
         <p:spPr>
           <a:xfrm>
             <a:off x="914400" y="3566160"/>
-            <a:ext cx="7314480" cy="1005120"/>
+            <a:ext cx="7314120" cy="1004760"/>
           </a:xfrm>
           <a:prstGeom prst="rect">
             <a:avLst/>
@@ -9851,7 +9851,7 @@
         <p:spPr>
           <a:xfrm>
             <a:off x="1188720" y="3703320"/>
-            <a:ext cx="1828080" cy="273600"/>
+            <a:ext cx="1827720" cy="273240"/>
           </a:xfrm>
           <a:prstGeom prst="rect">
             <a:avLst/>
@@ -9906,7 +9906,7 @@
         <p:spPr>
           <a:xfrm>
             <a:off x="3200400" y="3703320"/>
-            <a:ext cx="4754160" cy="227880"/>
+            <a:ext cx="4753800" cy="227520"/>
           </a:xfrm>
           <a:prstGeom prst="rect">
             <a:avLst/>
@@ -9961,7 +9961,7 @@
         <p:spPr>
           <a:xfrm>
             <a:off x="3200400" y="4023360"/>
-            <a:ext cx="4754160" cy="456480"/>
+            <a:ext cx="4753800" cy="456120"/>
           </a:xfrm>
           <a:prstGeom prst="rect">
             <a:avLst/>
@@ -9989,7 +9989,7 @@
         <p:spPr>
           <a:xfrm>
             <a:off x="3291840" y="4114800"/>
-            <a:ext cx="4571280" cy="273600"/>
+            <a:ext cx="4570920" cy="273240"/>
           </a:xfrm>
           <a:prstGeom prst="rect">
             <a:avLst/>
@@ -10105,7 +10105,7 @@
         <p:spPr>
           <a:xfrm>
             <a:off x="457200" y="274320"/>
-            <a:ext cx="8228880" cy="547920"/>
+            <a:ext cx="8228520" cy="547560"/>
           </a:xfrm>
           <a:prstGeom prst="rect">
             <a:avLst/>
@@ -10164,7 +10164,7 @@
         <p:spPr>
           <a:xfrm>
             <a:off x="7772400" y="228600"/>
-            <a:ext cx="639360" cy="639360"/>
+            <a:ext cx="639000" cy="639000"/>
           </a:xfrm>
           <a:prstGeom prst="rect">
             <a:avLst/>
@@ -10183,7 +10183,7 @@
         <p:spPr>
           <a:xfrm>
             <a:off x="914400" y="1097280"/>
-            <a:ext cx="7314480" cy="547920"/>
+            <a:ext cx="7314120" cy="547560"/>
           </a:xfrm>
           <a:prstGeom prst="rect">
             <a:avLst/>
@@ -10214,7 +10214,7 @@
         <p:spPr>
           <a:xfrm>
             <a:off x="914400" y="1188720"/>
-            <a:ext cx="7314480" cy="365040"/>
+            <a:ext cx="7314120" cy="364680"/>
           </a:xfrm>
           <a:prstGeom prst="rect">
             <a:avLst/>
@@ -10269,7 +10269,7 @@
         <p:spPr>
           <a:xfrm>
             <a:off x="1371600" y="1920240"/>
-            <a:ext cx="6400080" cy="273600"/>
+            <a:ext cx="6399720" cy="273240"/>
           </a:xfrm>
           <a:prstGeom prst="rect">
             <a:avLst/>
@@ -10324,7 +10324,7 @@
         <p:spPr>
           <a:xfrm>
             <a:off x="1828800" y="2377440"/>
-            <a:ext cx="5485680" cy="639360"/>
+            <a:ext cx="5485320" cy="639000"/>
           </a:xfrm>
           <a:prstGeom prst="rect">
             <a:avLst/>
@@ -10352,7 +10352,7 @@
         <p:spPr>
           <a:xfrm>
             <a:off x="2011680" y="2514600"/>
-            <a:ext cx="5119920" cy="365040"/>
+            <a:ext cx="5119560" cy="364680"/>
           </a:xfrm>
           <a:prstGeom prst="rect">
             <a:avLst/>
@@ -10431,7 +10431,7 @@
         <p:spPr>
           <a:xfrm>
             <a:off x="1371600" y="3200400"/>
-            <a:ext cx="6400080" cy="273600"/>
+            <a:ext cx="6399720" cy="273240"/>
           </a:xfrm>
           <a:prstGeom prst="rect">
             <a:avLst/>
@@ -10486,7 +10486,7 @@
         <p:spPr>
           <a:xfrm>
             <a:off x="1828800" y="3566160"/>
-            <a:ext cx="5485680" cy="227880"/>
+            <a:ext cx="5485320" cy="227520"/>
           </a:xfrm>
           <a:prstGeom prst="rect">
             <a:avLst/>
@@ -10551,7 +10551,7 @@
         <p:spPr>
           <a:xfrm>
             <a:off x="1828800" y="3886200"/>
-            <a:ext cx="5485680" cy="227880"/>
+            <a:ext cx="5485320" cy="227520"/>
           </a:xfrm>
           <a:prstGeom prst="rect">
             <a:avLst/>
@@ -10616,7 +10616,7 @@
         <p:spPr>
           <a:xfrm>
             <a:off x="1828800" y="4206240"/>
-            <a:ext cx="5485680" cy="227880"/>
+            <a:ext cx="5485320" cy="227520"/>
           </a:xfrm>
           <a:prstGeom prst="rect">
             <a:avLst/>
@@ -10681,7 +10681,7 @@
         <p:spPr>
           <a:xfrm>
             <a:off x="1828800" y="4526280"/>
-            <a:ext cx="5485680" cy="227880"/>
+            <a:ext cx="5485320" cy="227520"/>
           </a:xfrm>
           <a:prstGeom prst="rect">
             <a:avLst/>
@@ -10746,7 +10746,7 @@
         <p:spPr>
           <a:xfrm>
             <a:off x="1828800" y="4846320"/>
-            <a:ext cx="5485680" cy="227880"/>
+            <a:ext cx="5485320" cy="227520"/>
           </a:xfrm>
           <a:prstGeom prst="rect">
             <a:avLst/>
@@ -10848,7 +10848,7 @@
         <p:spPr>
           <a:xfrm>
             <a:off x="457200" y="274320"/>
-            <a:ext cx="8228880" cy="547920"/>
+            <a:ext cx="8228520" cy="547560"/>
           </a:xfrm>
           <a:prstGeom prst="rect">
             <a:avLst/>
@@ -10903,7 +10903,7 @@
         <p:spPr>
           <a:xfrm>
             <a:off x="914400" y="1188720"/>
-            <a:ext cx="7314480" cy="456480"/>
+            <a:ext cx="7314120" cy="456120"/>
           </a:xfrm>
           <a:prstGeom prst="rect">
             <a:avLst/>
@@ -10934,7 +10934,7 @@
         <p:spPr>
           <a:xfrm>
             <a:off x="1188720" y="1280160"/>
-            <a:ext cx="2285280" cy="273600"/>
+            <a:ext cx="2284920" cy="273240"/>
           </a:xfrm>
           <a:prstGeom prst="rect">
             <a:avLst/>
@@ -10989,7 +10989,7 @@
         <p:spPr>
           <a:xfrm>
             <a:off x="3657600" y="1280160"/>
-            <a:ext cx="4388400" cy="273600"/>
+            <a:ext cx="4388040" cy="273240"/>
           </a:xfrm>
           <a:prstGeom prst="rect">
             <a:avLst/>
@@ -11044,7 +11044,7 @@
         <p:spPr>
           <a:xfrm>
             <a:off x="914400" y="1691640"/>
-            <a:ext cx="7314480" cy="456480"/>
+            <a:ext cx="7314120" cy="456120"/>
           </a:xfrm>
           <a:prstGeom prst="rect">
             <a:avLst/>
@@ -11075,7 +11075,7 @@
         <p:spPr>
           <a:xfrm>
             <a:off x="1188720" y="1783080"/>
-            <a:ext cx="2285280" cy="273600"/>
+            <a:ext cx="2284920" cy="273240"/>
           </a:xfrm>
           <a:prstGeom prst="rect">
             <a:avLst/>
@@ -11130,7 +11130,7 @@
         <p:spPr>
           <a:xfrm>
             <a:off x="3657600" y="1783080"/>
-            <a:ext cx="4388400" cy="273600"/>
+            <a:ext cx="4388040" cy="273240"/>
           </a:xfrm>
           <a:prstGeom prst="rect">
             <a:avLst/>
@@ -11185,7 +11185,7 @@
         <p:spPr>
           <a:xfrm>
             <a:off x="914400" y="2194560"/>
-            <a:ext cx="7314480" cy="456480"/>
+            <a:ext cx="7314120" cy="456120"/>
           </a:xfrm>
           <a:prstGeom prst="rect">
             <a:avLst/>
@@ -11216,7 +11216,7 @@
         <p:spPr>
           <a:xfrm>
             <a:off x="1188720" y="2286000"/>
-            <a:ext cx="2285280" cy="273600"/>
+            <a:ext cx="2284920" cy="273240"/>
           </a:xfrm>
           <a:prstGeom prst="rect">
             <a:avLst/>
@@ -11271,7 +11271,7 @@
         <p:spPr>
           <a:xfrm>
             <a:off x="3657600" y="2286000"/>
-            <a:ext cx="4388400" cy="273600"/>
+            <a:ext cx="4388040" cy="273240"/>
           </a:xfrm>
           <a:prstGeom prst="rect">
             <a:avLst/>
@@ -11326,7 +11326,7 @@
         <p:spPr>
           <a:xfrm>
             <a:off x="914400" y="2697480"/>
-            <a:ext cx="7314480" cy="456480"/>
+            <a:ext cx="7314120" cy="456120"/>
           </a:xfrm>
           <a:prstGeom prst="rect">
             <a:avLst/>
@@ -11357,7 +11357,7 @@
         <p:spPr>
           <a:xfrm>
             <a:off x="1188720" y="2788920"/>
-            <a:ext cx="2285280" cy="273600"/>
+            <a:ext cx="2284920" cy="273240"/>
           </a:xfrm>
           <a:prstGeom prst="rect">
             <a:avLst/>
@@ -11412,7 +11412,7 @@
         <p:spPr>
           <a:xfrm>
             <a:off x="3657600" y="2788920"/>
-            <a:ext cx="4388400" cy="273600"/>
+            <a:ext cx="4388040" cy="273240"/>
           </a:xfrm>
           <a:prstGeom prst="rect">
             <a:avLst/>
@@ -11467,7 +11467,7 @@
         <p:spPr>
           <a:xfrm>
             <a:off x="914400" y="3200400"/>
-            <a:ext cx="7314480" cy="456480"/>
+            <a:ext cx="7314120" cy="456120"/>
           </a:xfrm>
           <a:prstGeom prst="rect">
             <a:avLst/>
@@ -11498,7 +11498,7 @@
         <p:spPr>
           <a:xfrm>
             <a:off x="1188720" y="3291840"/>
-            <a:ext cx="2285280" cy="273600"/>
+            <a:ext cx="2284920" cy="273240"/>
           </a:xfrm>
           <a:prstGeom prst="rect">
             <a:avLst/>
@@ -11553,7 +11553,7 @@
         <p:spPr>
           <a:xfrm>
             <a:off x="3657600" y="3291840"/>
-            <a:ext cx="4388400" cy="273600"/>
+            <a:ext cx="4388040" cy="273240"/>
           </a:xfrm>
           <a:prstGeom prst="rect">
             <a:avLst/>
@@ -11608,7 +11608,7 @@
         <p:spPr>
           <a:xfrm>
             <a:off x="914400" y="3703320"/>
-            <a:ext cx="7314480" cy="456480"/>
+            <a:ext cx="7314120" cy="456120"/>
           </a:xfrm>
           <a:prstGeom prst="rect">
             <a:avLst/>
@@ -11639,7 +11639,7 @@
         <p:spPr>
           <a:xfrm>
             <a:off x="1188720" y="3794760"/>
-            <a:ext cx="2285280" cy="273600"/>
+            <a:ext cx="2284920" cy="273240"/>
           </a:xfrm>
           <a:prstGeom prst="rect">
             <a:avLst/>
@@ -11694,7 +11694,7 @@
         <p:spPr>
           <a:xfrm>
             <a:off x="3657600" y="3794760"/>
-            <a:ext cx="4388400" cy="273600"/>
+            <a:ext cx="4388040" cy="273240"/>
           </a:xfrm>
           <a:prstGeom prst="rect">
             <a:avLst/>
@@ -11749,7 +11749,7 @@
         <p:spPr>
           <a:xfrm>
             <a:off x="914400" y="4206240"/>
-            <a:ext cx="7314480" cy="456480"/>
+            <a:ext cx="7314120" cy="456120"/>
           </a:xfrm>
           <a:prstGeom prst="rect">
             <a:avLst/>
@@ -11780,7 +11780,7 @@
         <p:spPr>
           <a:xfrm>
             <a:off x="1188720" y="4297680"/>
-            <a:ext cx="2285280" cy="273600"/>
+            <a:ext cx="2284920" cy="273240"/>
           </a:xfrm>
           <a:prstGeom prst="rect">
             <a:avLst/>
@@ -11835,7 +11835,7 @@
         <p:spPr>
           <a:xfrm>
             <a:off x="3657600" y="4297680"/>
-            <a:ext cx="4388400" cy="273600"/>
+            <a:ext cx="4388040" cy="273240"/>
           </a:xfrm>
           <a:prstGeom prst="rect">
             <a:avLst/>
@@ -11927,7 +11927,7 @@
         <p:spPr>
           <a:xfrm>
             <a:off x="457200" y="274320"/>
-            <a:ext cx="8228880" cy="547920"/>
+            <a:ext cx="8228520" cy="547560"/>
           </a:xfrm>
           <a:prstGeom prst="rect">
             <a:avLst/>
@@ -11982,7 +11982,7 @@
         <p:spPr>
           <a:xfrm>
             <a:off x="731520" y="1097280"/>
-            <a:ext cx="7680240" cy="3291120"/>
+            <a:ext cx="7679880" cy="3290760"/>
           </a:xfrm>
           <a:prstGeom prst="rect">
             <a:avLst/>
@@ -12010,7 +12010,7 @@
         <p:spPr>
           <a:xfrm>
             <a:off x="914400" y="1234440"/>
-            <a:ext cx="7314480" cy="3016800"/>
+            <a:ext cx="7314120" cy="3016440"/>
           </a:xfrm>
           <a:prstGeom prst="rect">
             <a:avLst/>
@@ -12452,7 +12452,7 @@
         <p:spPr>
           <a:xfrm>
             <a:off x="457200" y="274320"/>
-            <a:ext cx="8228880" cy="547920"/>
+            <a:ext cx="8228520" cy="547560"/>
           </a:xfrm>
           <a:prstGeom prst="rect">
             <a:avLst/>
@@ -12511,7 +12511,7 @@
         <p:spPr>
           <a:xfrm>
             <a:off x="7772400" y="228600"/>
-            <a:ext cx="639360" cy="639360"/>
+            <a:ext cx="639000" cy="639000"/>
           </a:xfrm>
           <a:prstGeom prst="rect">
             <a:avLst/>
@@ -12530,7 +12530,7 @@
         <p:spPr>
           <a:xfrm>
             <a:off x="914400" y="1097280"/>
-            <a:ext cx="7314480" cy="639360"/>
+            <a:ext cx="7314120" cy="639000"/>
           </a:xfrm>
           <a:prstGeom prst="rect">
             <a:avLst/>
@@ -12561,7 +12561,7 @@
         <p:spPr>
           <a:xfrm>
             <a:off x="914400" y="1188720"/>
-            <a:ext cx="7314480" cy="456480"/>
+            <a:ext cx="7314120" cy="456120"/>
           </a:xfrm>
           <a:prstGeom prst="rect">
             <a:avLst/>
@@ -12640,7 +12640,7 @@
         <p:spPr>
           <a:xfrm>
             <a:off x="1371600" y="2011680"/>
-            <a:ext cx="6400080" cy="2193840"/>
+            <a:ext cx="6399720" cy="2193480"/>
           </a:xfrm>
           <a:prstGeom prst="rect">
             <a:avLst/>
@@ -12668,7 +12668,7 @@
         <p:spPr>
           <a:xfrm>
             <a:off x="1554480" y="2148840"/>
-            <a:ext cx="6034320" cy="1919520"/>
+            <a:ext cx="6033960" cy="1919160"/>
           </a:xfrm>
           <a:prstGeom prst="rect">
             <a:avLst/>
@@ -12932,7 +12932,7 @@
         <p:spPr>
           <a:xfrm>
             <a:off x="457200" y="274320"/>
-            <a:ext cx="8228880" cy="547920"/>
+            <a:ext cx="8228520" cy="547560"/>
           </a:xfrm>
           <a:prstGeom prst="rect">
             <a:avLst/>
@@ -12987,7 +12987,7 @@
         <p:spPr>
           <a:xfrm>
             <a:off x="1051560" y="1097280"/>
-            <a:ext cx="7040160" cy="218880"/>
+            <a:ext cx="7039800" cy="218520"/>
           </a:xfrm>
           <a:prstGeom prst="rect">
             <a:avLst/>
@@ -13042,7 +13042,7 @@
         <p:spPr>
           <a:xfrm>
             <a:off x="1051560" y="1353240"/>
-            <a:ext cx="7040160" cy="218880"/>
+            <a:ext cx="7039800" cy="218520"/>
           </a:xfrm>
           <a:prstGeom prst="rect">
             <a:avLst/>
@@ -13097,7 +13097,7 @@
         <p:spPr>
           <a:xfrm>
             <a:off x="640080" y="1572840"/>
-            <a:ext cx="291960" cy="291960"/>
+            <a:ext cx="291600" cy="291600"/>
           </a:xfrm>
           <a:prstGeom prst="rect">
             <a:avLst/>
@@ -13152,7 +13152,7 @@
         <p:spPr>
           <a:xfrm>
             <a:off x="1051560" y="1609200"/>
-            <a:ext cx="7040160" cy="218880"/>
+            <a:ext cx="7039800" cy="218520"/>
           </a:xfrm>
           <a:prstGeom prst="rect">
             <a:avLst/>
@@ -13207,7 +13207,7 @@
         <p:spPr>
           <a:xfrm>
             <a:off x="640080" y="1828800"/>
-            <a:ext cx="291960" cy="291960"/>
+            <a:ext cx="291600" cy="291600"/>
           </a:xfrm>
           <a:prstGeom prst="rect">
             <a:avLst/>
@@ -13262,7 +13262,7 @@
         <p:spPr>
           <a:xfrm>
             <a:off x="1051560" y="1865520"/>
-            <a:ext cx="7040160" cy="218880"/>
+            <a:ext cx="7039800" cy="218520"/>
           </a:xfrm>
           <a:prstGeom prst="rect">
             <a:avLst/>
@@ -13317,7 +13317,7 @@
         <p:spPr>
           <a:xfrm>
             <a:off x="1051560" y="2121480"/>
-            <a:ext cx="7040160" cy="218880"/>
+            <a:ext cx="7039800" cy="218520"/>
           </a:xfrm>
           <a:prstGeom prst="rect">
             <a:avLst/>
@@ -13372,7 +13372,7 @@
         <p:spPr>
           <a:xfrm>
             <a:off x="1051560" y="2377440"/>
-            <a:ext cx="7040160" cy="218880"/>
+            <a:ext cx="7039800" cy="218520"/>
           </a:xfrm>
           <a:prstGeom prst="rect">
             <a:avLst/>
@@ -13427,7 +13427,7 @@
         <p:spPr>
           <a:xfrm>
             <a:off x="1051560" y="2633400"/>
-            <a:ext cx="7040160" cy="218880"/>
+            <a:ext cx="7039800" cy="218520"/>
           </a:xfrm>
           <a:prstGeom prst="rect">
             <a:avLst/>
@@ -13482,7 +13482,7 @@
         <p:spPr>
           <a:xfrm>
             <a:off x="640080" y="2853000"/>
-            <a:ext cx="291960" cy="291960"/>
+            <a:ext cx="291600" cy="291600"/>
           </a:xfrm>
           <a:prstGeom prst="rect">
             <a:avLst/>
@@ -13537,7 +13537,7 @@
         <p:spPr>
           <a:xfrm>
             <a:off x="1051560" y="2889360"/>
-            <a:ext cx="7040160" cy="218880"/>
+            <a:ext cx="7039800" cy="218520"/>
           </a:xfrm>
           <a:prstGeom prst="rect">
             <a:avLst/>
@@ -13592,7 +13592,7 @@
         <p:spPr>
           <a:xfrm>
             <a:off x="1051560" y="3145680"/>
-            <a:ext cx="7040160" cy="218880"/>
+            <a:ext cx="7039800" cy="218520"/>
           </a:xfrm>
           <a:prstGeom prst="rect">
             <a:avLst/>
@@ -13647,7 +13647,7 @@
         <p:spPr>
           <a:xfrm>
             <a:off x="640080" y="3364920"/>
-            <a:ext cx="291960" cy="291960"/>
+            <a:ext cx="291600" cy="291600"/>
           </a:xfrm>
           <a:prstGeom prst="rect">
             <a:avLst/>
@@ -13702,7 +13702,7 @@
         <p:spPr>
           <a:xfrm>
             <a:off x="1051560" y="3401640"/>
-            <a:ext cx="7040160" cy="218880"/>
+            <a:ext cx="7039800" cy="218520"/>
           </a:xfrm>
           <a:prstGeom prst="rect">
             <a:avLst/>
@@ -13757,7 +13757,7 @@
         <p:spPr>
           <a:xfrm>
             <a:off x="640080" y="3620880"/>
-            <a:ext cx="291960" cy="291960"/>
+            <a:ext cx="291600" cy="291600"/>
           </a:xfrm>
           <a:prstGeom prst="rect">
             <a:avLst/>
@@ -13812,7 +13812,7 @@
         <p:spPr>
           <a:xfrm>
             <a:off x="1051560" y="3657600"/>
-            <a:ext cx="7040160" cy="218880"/>
+            <a:ext cx="7039800" cy="218520"/>
           </a:xfrm>
           <a:prstGeom prst="rect">
             <a:avLst/>
@@ -13867,7 +13867,7 @@
         <p:spPr>
           <a:xfrm>
             <a:off x="640080" y="3877200"/>
-            <a:ext cx="291960" cy="291960"/>
+            <a:ext cx="291600" cy="291600"/>
           </a:xfrm>
           <a:prstGeom prst="rect">
             <a:avLst/>
@@ -13922,7 +13922,7 @@
         <p:spPr>
           <a:xfrm>
             <a:off x="1051560" y="3913560"/>
-            <a:ext cx="7040160" cy="218880"/>
+            <a:ext cx="7039800" cy="218520"/>
           </a:xfrm>
           <a:prstGeom prst="rect">
             <a:avLst/>
@@ -13977,7 +13977,7 @@
         <p:spPr>
           <a:xfrm>
             <a:off x="1051560" y="4169520"/>
-            <a:ext cx="7040160" cy="218880"/>
+            <a:ext cx="7039800" cy="218520"/>
           </a:xfrm>
           <a:prstGeom prst="rect">
             <a:avLst/>
@@ -14031,8 +14031,8 @@
         </p:nvSpPr>
         <p:spPr>
           <a:xfrm flipH="1">
-            <a:off x="540000" y="3420000"/>
-            <a:ext cx="100080" cy="1261080"/>
+            <a:off x="539280" y="3420000"/>
+            <a:ext cx="99720" cy="1260720"/>
           </a:xfrm>
           <a:prstGeom prst="rect">
             <a:avLst/>
@@ -14087,7 +14087,7 @@
         <p:spPr>
           <a:xfrm>
             <a:off x="1051560" y="4425840"/>
-            <a:ext cx="7040160" cy="218880"/>
+            <a:ext cx="7039800" cy="218520"/>
           </a:xfrm>
           <a:prstGeom prst="rect">
             <a:avLst/>
@@ -14179,7 +14179,7 @@
         <p:spPr>
           <a:xfrm>
             <a:off x="457200" y="274320"/>
-            <a:ext cx="8228880" cy="547920"/>
+            <a:ext cx="8228520" cy="547560"/>
           </a:xfrm>
           <a:prstGeom prst="rect">
             <a:avLst/>
@@ -14238,7 +14238,7 @@
         <p:spPr>
           <a:xfrm>
             <a:off x="7772400" y="228600"/>
-            <a:ext cx="639360" cy="639360"/>
+            <a:ext cx="639000" cy="639000"/>
           </a:xfrm>
           <a:prstGeom prst="rect">
             <a:avLst/>
@@ -14257,7 +14257,7 @@
         <p:spPr>
           <a:xfrm>
             <a:off x="914400" y="1097280"/>
-            <a:ext cx="7314480" cy="547920"/>
+            <a:ext cx="7314120" cy="547560"/>
           </a:xfrm>
           <a:prstGeom prst="rect">
             <a:avLst/>
@@ -14288,7 +14288,7 @@
         <p:spPr>
           <a:xfrm>
             <a:off x="914400" y="1188720"/>
-            <a:ext cx="7314480" cy="365040"/>
+            <a:ext cx="7314120" cy="364680"/>
           </a:xfrm>
           <a:prstGeom prst="rect">
             <a:avLst/>
@@ -14343,7 +14343,7 @@
         <p:spPr>
           <a:xfrm>
             <a:off x="1371600" y="1920240"/>
-            <a:ext cx="6400080" cy="1645200"/>
+            <a:ext cx="6399720" cy="1644840"/>
           </a:xfrm>
           <a:prstGeom prst="rect">
             <a:avLst/>
@@ -14371,7 +14371,7 @@
         <p:spPr>
           <a:xfrm>
             <a:off x="1554480" y="2057400"/>
-            <a:ext cx="6034320" cy="1370880"/>
+            <a:ext cx="6033960" cy="1370520"/>
           </a:xfrm>
           <a:prstGeom prst="rect">
             <a:avLst/>
@@ -14549,7 +14549,7 @@
         <p:spPr>
           <a:xfrm>
             <a:off x="457200" y="274320"/>
-            <a:ext cx="8228880" cy="547920"/>
+            <a:ext cx="8228520" cy="547560"/>
           </a:xfrm>
           <a:prstGeom prst="rect">
             <a:avLst/>
@@ -14608,7 +14608,7 @@
         <p:spPr>
           <a:xfrm>
             <a:off x="7772400" y="228600"/>
-            <a:ext cx="639360" cy="639360"/>
+            <a:ext cx="639000" cy="639000"/>
           </a:xfrm>
           <a:prstGeom prst="rect">
             <a:avLst/>
@@ -14627,7 +14627,7 @@
         <p:spPr>
           <a:xfrm>
             <a:off x="914400" y="1280160"/>
-            <a:ext cx="7314480" cy="136440"/>
+            <a:ext cx="7314120" cy="136080"/>
           </a:xfrm>
           <a:prstGeom prst="rect">
             <a:avLst/>
@@ -14655,7 +14655,7 @@
         <p:spPr>
           <a:xfrm>
             <a:off x="914400" y="1005840"/>
-            <a:ext cx="2742480" cy="227880"/>
+            <a:ext cx="2742120" cy="227520"/>
           </a:xfrm>
           <a:prstGeom prst="rect">
             <a:avLst/>
@@ -14710,7 +14710,7 @@
         <p:spPr>
           <a:xfrm>
             <a:off x="3840480" y="1005840"/>
-            <a:ext cx="4388400" cy="227880"/>
+            <a:ext cx="4388040" cy="227520"/>
           </a:xfrm>
           <a:prstGeom prst="rect">
             <a:avLst/>
@@ -14765,7 +14765,7 @@
         <p:spPr>
           <a:xfrm>
             <a:off x="914400" y="1691640"/>
-            <a:ext cx="7314480" cy="136440"/>
+            <a:ext cx="7314120" cy="136080"/>
           </a:xfrm>
           <a:prstGeom prst="rect">
             <a:avLst/>
@@ -14793,7 +14793,7 @@
         <p:spPr>
           <a:xfrm>
             <a:off x="914400" y="1417320"/>
-            <a:ext cx="2742480" cy="227880"/>
+            <a:ext cx="2742120" cy="227520"/>
           </a:xfrm>
           <a:prstGeom prst="rect">
             <a:avLst/>
@@ -14848,7 +14848,7 @@
         <p:spPr>
           <a:xfrm>
             <a:off x="3840480" y="1417320"/>
-            <a:ext cx="4388400" cy="227880"/>
+            <a:ext cx="4388040" cy="227520"/>
           </a:xfrm>
           <a:prstGeom prst="rect">
             <a:avLst/>
@@ -14903,7 +14903,7 @@
         <p:spPr>
           <a:xfrm>
             <a:off x="914400" y="2103120"/>
-            <a:ext cx="7314480" cy="136440"/>
+            <a:ext cx="7314120" cy="136080"/>
           </a:xfrm>
           <a:prstGeom prst="rect">
             <a:avLst/>
@@ -14931,7 +14931,7 @@
         <p:spPr>
           <a:xfrm>
             <a:off x="914400" y="1828800"/>
-            <a:ext cx="2742480" cy="227880"/>
+            <a:ext cx="2742120" cy="227520"/>
           </a:xfrm>
           <a:prstGeom prst="rect">
             <a:avLst/>
@@ -14986,7 +14986,7 @@
         <p:spPr>
           <a:xfrm>
             <a:off x="3840480" y="1828800"/>
-            <a:ext cx="4388400" cy="227880"/>
+            <a:ext cx="4388040" cy="227520"/>
           </a:xfrm>
           <a:prstGeom prst="rect">
             <a:avLst/>
@@ -15041,7 +15041,7 @@
         <p:spPr>
           <a:xfrm>
             <a:off x="1371600" y="2468880"/>
-            <a:ext cx="6400080" cy="1828080"/>
+            <a:ext cx="6399720" cy="1827720"/>
           </a:xfrm>
           <a:prstGeom prst="rect">
             <a:avLst/>
@@ -15069,7 +15069,7 @@
         <p:spPr>
           <a:xfrm>
             <a:off x="1554480" y="2606040"/>
-            <a:ext cx="6034320" cy="1553760"/>
+            <a:ext cx="6033960" cy="1553400"/>
           </a:xfrm>
           <a:prstGeom prst="rect">
             <a:avLst/>
@@ -15347,7 +15347,7 @@
         <p:spPr>
           <a:xfrm>
             <a:off x="457200" y="274320"/>
-            <a:ext cx="8228880" cy="547920"/>
+            <a:ext cx="8228520" cy="547560"/>
           </a:xfrm>
           <a:prstGeom prst="rect">
             <a:avLst/>
@@ -15406,7 +15406,7 @@
         <p:spPr>
           <a:xfrm>
             <a:off x="7772400" y="228600"/>
-            <a:ext cx="639360" cy="639360"/>
+            <a:ext cx="639000" cy="639000"/>
           </a:xfrm>
           <a:prstGeom prst="rect">
             <a:avLst/>
@@ -15425,7 +15425,7 @@
         <p:spPr>
           <a:xfrm>
             <a:off x="914400" y="1097280"/>
-            <a:ext cx="7314480" cy="547920"/>
+            <a:ext cx="7314120" cy="547560"/>
           </a:xfrm>
           <a:prstGeom prst="rect">
             <a:avLst/>
@@ -15456,7 +15456,7 @@
         <p:spPr>
           <a:xfrm>
             <a:off x="914400" y="1188720"/>
-            <a:ext cx="7314480" cy="365040"/>
+            <a:ext cx="7314120" cy="364680"/>
           </a:xfrm>
           <a:prstGeom prst="rect">
             <a:avLst/>
@@ -15511,7 +15511,7 @@
         <p:spPr>
           <a:xfrm>
             <a:off x="1371600" y="1920240"/>
-            <a:ext cx="6400080" cy="2285280"/>
+            <a:ext cx="6399720" cy="2284920"/>
           </a:xfrm>
           <a:prstGeom prst="rect">
             <a:avLst/>
@@ -15539,7 +15539,7 @@
         <p:spPr>
           <a:xfrm>
             <a:off x="1554480" y="2057400"/>
-            <a:ext cx="6034320" cy="2010960"/>
+            <a:ext cx="6033960" cy="2010600"/>
           </a:xfrm>
           <a:prstGeom prst="rect">
             <a:avLst/>
@@ -15875,7 +15875,7 @@
         <p:spPr>
           <a:xfrm>
             <a:off x="457200" y="274320"/>
-            <a:ext cx="8228880" cy="547920"/>
+            <a:ext cx="8228520" cy="547560"/>
           </a:xfrm>
           <a:prstGeom prst="rect">
             <a:avLst/>
@@ -15930,7 +15930,7 @@
         <p:spPr>
           <a:xfrm>
             <a:off x="914400" y="1097280"/>
-            <a:ext cx="7314480" cy="639360"/>
+            <a:ext cx="7314120" cy="639000"/>
           </a:xfrm>
           <a:prstGeom prst="rect">
             <a:avLst/>
@@ -15961,7 +15961,7 @@
         <p:spPr>
           <a:xfrm>
             <a:off x="914400" y="1188720"/>
-            <a:ext cx="7314480" cy="456480"/>
+            <a:ext cx="7314120" cy="456120"/>
           </a:xfrm>
           <a:prstGeom prst="rect">
             <a:avLst/>
@@ -16040,7 +16040,7 @@
         <p:spPr>
           <a:xfrm>
             <a:off x="1371600" y="2011680"/>
-            <a:ext cx="6400080" cy="2193840"/>
+            <a:ext cx="6399720" cy="2193480"/>
           </a:xfrm>
           <a:prstGeom prst="rect">
             <a:avLst/>
@@ -16068,7 +16068,7 @@
         <p:spPr>
           <a:xfrm>
             <a:off x="1554480" y="2148840"/>
-            <a:ext cx="6034320" cy="1919520"/>
+            <a:ext cx="6033960" cy="1919160"/>
           </a:xfrm>
           <a:prstGeom prst="rect">
             <a:avLst/>
@@ -16356,7 +16356,7 @@
         <p:spPr>
           <a:xfrm>
             <a:off x="457200" y="274320"/>
-            <a:ext cx="8228880" cy="547920"/>
+            <a:ext cx="8228520" cy="547560"/>
           </a:xfrm>
           <a:prstGeom prst="rect">
             <a:avLst/>
@@ -16415,7 +16415,7 @@
         <p:spPr>
           <a:xfrm>
             <a:off x="7772400" y="228600"/>
-            <a:ext cx="639360" cy="639360"/>
+            <a:ext cx="639000" cy="639000"/>
           </a:xfrm>
           <a:prstGeom prst="rect">
             <a:avLst/>
@@ -16434,7 +16434,7 @@
         <p:spPr>
           <a:xfrm>
             <a:off x="914400" y="1188720"/>
-            <a:ext cx="7314480" cy="639360"/>
+            <a:ext cx="7314120" cy="639000"/>
           </a:xfrm>
           <a:prstGeom prst="rect">
             <a:avLst/>
@@ -16465,7 +16465,7 @@
         <p:spPr>
           <a:xfrm>
             <a:off x="1188720" y="1261800"/>
-            <a:ext cx="2010960" cy="227880"/>
+            <a:ext cx="2010600" cy="227520"/>
           </a:xfrm>
           <a:prstGeom prst="rect">
             <a:avLst/>
@@ -16520,7 +16520,7 @@
         <p:spPr>
           <a:xfrm>
             <a:off x="3291840" y="1261800"/>
-            <a:ext cx="4754160" cy="182160"/>
+            <a:ext cx="4753800" cy="181800"/>
           </a:xfrm>
           <a:prstGeom prst="rect">
             <a:avLst/>
@@ -16575,7 +16575,7 @@
         <p:spPr>
           <a:xfrm>
             <a:off x="3291840" y="1508760"/>
-            <a:ext cx="4754160" cy="227880"/>
+            <a:ext cx="4753800" cy="227520"/>
           </a:xfrm>
           <a:prstGeom prst="rect">
             <a:avLst/>
@@ -16630,7 +16630,7 @@
         <p:spPr>
           <a:xfrm>
             <a:off x="914400" y="1874520"/>
-            <a:ext cx="7314480" cy="639360"/>
+            <a:ext cx="7314120" cy="639000"/>
           </a:xfrm>
           <a:prstGeom prst="rect">
             <a:avLst/>
@@ -16661,7 +16661,7 @@
         <p:spPr>
           <a:xfrm>
             <a:off x="1188720" y="1947600"/>
-            <a:ext cx="2010960" cy="227880"/>
+            <a:ext cx="2010600" cy="227520"/>
           </a:xfrm>
           <a:prstGeom prst="rect">
             <a:avLst/>
@@ -16716,7 +16716,7 @@
         <p:spPr>
           <a:xfrm>
             <a:off x="3291840" y="1947600"/>
-            <a:ext cx="4754160" cy="182160"/>
+            <a:ext cx="4753800" cy="181800"/>
           </a:xfrm>
           <a:prstGeom prst="rect">
             <a:avLst/>
@@ -16771,7 +16771,7 @@
         <p:spPr>
           <a:xfrm>
             <a:off x="3291840" y="2194560"/>
-            <a:ext cx="4754160" cy="227880"/>
+            <a:ext cx="4753800" cy="227520"/>
           </a:xfrm>
           <a:prstGeom prst="rect">
             <a:avLst/>
@@ -16826,7 +16826,7 @@
         <p:spPr>
           <a:xfrm>
             <a:off x="914400" y="2560320"/>
-            <a:ext cx="7314480" cy="639360"/>
+            <a:ext cx="7314120" cy="639000"/>
           </a:xfrm>
           <a:prstGeom prst="rect">
             <a:avLst/>
@@ -16857,7 +16857,7 @@
         <p:spPr>
           <a:xfrm>
             <a:off x="1188720" y="2633400"/>
-            <a:ext cx="2010960" cy="227880"/>
+            <a:ext cx="2010600" cy="227520"/>
           </a:xfrm>
           <a:prstGeom prst="rect">
             <a:avLst/>
@@ -16912,7 +16912,7 @@
         <p:spPr>
           <a:xfrm>
             <a:off x="3291840" y="2633400"/>
-            <a:ext cx="4754160" cy="182160"/>
+            <a:ext cx="4753800" cy="181800"/>
           </a:xfrm>
           <a:prstGeom prst="rect">
             <a:avLst/>
@@ -16967,7 +16967,7 @@
         <p:spPr>
           <a:xfrm>
             <a:off x="3291840" y="2880360"/>
-            <a:ext cx="4754160" cy="227880"/>
+            <a:ext cx="4753800" cy="227520"/>
           </a:xfrm>
           <a:prstGeom prst="rect">
             <a:avLst/>
@@ -17022,7 +17022,7 @@
         <p:spPr>
           <a:xfrm>
             <a:off x="914400" y="3246120"/>
-            <a:ext cx="7314480" cy="639360"/>
+            <a:ext cx="7314120" cy="639000"/>
           </a:xfrm>
           <a:prstGeom prst="rect">
             <a:avLst/>
@@ -17053,7 +17053,7 @@
         <p:spPr>
           <a:xfrm>
             <a:off x="1188720" y="3319200"/>
-            <a:ext cx="2010960" cy="227880"/>
+            <a:ext cx="2010600" cy="227520"/>
           </a:xfrm>
           <a:prstGeom prst="rect">
             <a:avLst/>
@@ -17108,7 +17108,7 @@
         <p:spPr>
           <a:xfrm>
             <a:off x="3291840" y="3319200"/>
-            <a:ext cx="4754160" cy="182160"/>
+            <a:ext cx="4753800" cy="181800"/>
           </a:xfrm>
           <a:prstGeom prst="rect">
             <a:avLst/>
@@ -17163,7 +17163,7 @@
         <p:spPr>
           <a:xfrm>
             <a:off x="3291840" y="3566160"/>
-            <a:ext cx="4754160" cy="227880"/>
+            <a:ext cx="4753800" cy="227520"/>
           </a:xfrm>
           <a:prstGeom prst="rect">
             <a:avLst/>
@@ -17218,7 +17218,7 @@
         <p:spPr>
           <a:xfrm>
             <a:off x="914400" y="3931920"/>
-            <a:ext cx="7314480" cy="639360"/>
+            <a:ext cx="7314120" cy="639000"/>
           </a:xfrm>
           <a:prstGeom prst="rect">
             <a:avLst/>
@@ -17249,7 +17249,7 @@
         <p:spPr>
           <a:xfrm>
             <a:off x="1188720" y="4005000"/>
-            <a:ext cx="2010960" cy="227880"/>
+            <a:ext cx="2010600" cy="227520"/>
           </a:xfrm>
           <a:prstGeom prst="rect">
             <a:avLst/>
@@ -17304,7 +17304,7 @@
         <p:spPr>
           <a:xfrm>
             <a:off x="3291840" y="4005000"/>
-            <a:ext cx="4754160" cy="182160"/>
+            <a:ext cx="4753800" cy="181800"/>
           </a:xfrm>
           <a:prstGeom prst="rect">
             <a:avLst/>
@@ -17359,7 +17359,7 @@
         <p:spPr>
           <a:xfrm>
             <a:off x="3291840" y="4251960"/>
-            <a:ext cx="4754160" cy="227880"/>
+            <a:ext cx="4753800" cy="227520"/>
           </a:xfrm>
           <a:prstGeom prst="rect">
             <a:avLst/>
@@ -17451,7 +17451,7 @@
         <p:spPr>
           <a:xfrm>
             <a:off x="457200" y="274320"/>
-            <a:ext cx="8228880" cy="547920"/>
+            <a:ext cx="8228520" cy="547560"/>
           </a:xfrm>
           <a:prstGeom prst="rect">
             <a:avLst/>
@@ -17510,7 +17510,7 @@
         <p:spPr>
           <a:xfrm>
             <a:off x="7772400" y="228600"/>
-            <a:ext cx="639360" cy="639360"/>
+            <a:ext cx="639000" cy="639000"/>
           </a:xfrm>
           <a:prstGeom prst="rect">
             <a:avLst/>
@@ -17529,7 +17529,7 @@
         <p:spPr>
           <a:xfrm>
             <a:off x="914400" y="1097280"/>
-            <a:ext cx="7314480" cy="547920"/>
+            <a:ext cx="7314120" cy="547560"/>
           </a:xfrm>
           <a:prstGeom prst="rect">
             <a:avLst/>
@@ -17560,7 +17560,7 @@
         <p:spPr>
           <a:xfrm>
             <a:off x="914400" y="1188720"/>
-            <a:ext cx="7314480" cy="365040"/>
+            <a:ext cx="7314120" cy="364680"/>
           </a:xfrm>
           <a:prstGeom prst="rect">
             <a:avLst/>
@@ -17615,7 +17615,7 @@
         <p:spPr>
           <a:xfrm>
             <a:off x="1371600" y="1920240"/>
-            <a:ext cx="6400080" cy="2376720"/>
+            <a:ext cx="6399720" cy="2376360"/>
           </a:xfrm>
           <a:prstGeom prst="rect">
             <a:avLst/>
@@ -17643,7 +17643,7 @@
         <p:spPr>
           <a:xfrm>
             <a:off x="1554480" y="2057400"/>
-            <a:ext cx="6034320" cy="2102400"/>
+            <a:ext cx="6033960" cy="2102040"/>
           </a:xfrm>
           <a:prstGeom prst="rect">
             <a:avLst/>
@@ -18041,7 +18041,7 @@
         <p:spPr>
           <a:xfrm>
             <a:off x="457200" y="274320"/>
-            <a:ext cx="8228880" cy="547920"/>
+            <a:ext cx="8228520" cy="547560"/>
           </a:xfrm>
           <a:prstGeom prst="rect">
             <a:avLst/>
@@ -18096,7 +18096,7 @@
         <p:spPr>
           <a:xfrm>
             <a:off x="731520" y="1097280"/>
-            <a:ext cx="3656880" cy="136440"/>
+            <a:ext cx="3656520" cy="136080"/>
           </a:xfrm>
           <a:prstGeom prst="rect">
             <a:avLst/>
@@ -18124,7 +18124,7 @@
         <p:spPr>
           <a:xfrm>
             <a:off x="731520" y="822960"/>
-            <a:ext cx="3656880" cy="227880"/>
+            <a:ext cx="3656520" cy="227520"/>
           </a:xfrm>
           <a:prstGeom prst="rect">
             <a:avLst/>
@@ -18179,7 +18179,7 @@
         <p:spPr>
           <a:xfrm>
             <a:off x="914400" y="1371600"/>
-            <a:ext cx="3291120" cy="822240"/>
+            <a:ext cx="3290760" cy="821880"/>
           </a:xfrm>
           <a:prstGeom prst="rect">
             <a:avLst/>
@@ -18207,7 +18207,7 @@
         <p:spPr>
           <a:xfrm>
             <a:off x="1097280" y="1463040"/>
-            <a:ext cx="2925360" cy="639360"/>
+            <a:ext cx="2925000" cy="639000"/>
           </a:xfrm>
           <a:prstGeom prst="rect">
             <a:avLst/>
@@ -18334,7 +18334,7 @@
         <p:spPr>
           <a:xfrm>
             <a:off x="4754880" y="1097280"/>
-            <a:ext cx="3656880" cy="136440"/>
+            <a:ext cx="3656520" cy="136080"/>
           </a:xfrm>
           <a:prstGeom prst="rect">
             <a:avLst/>
@@ -18362,7 +18362,7 @@
         <p:spPr>
           <a:xfrm>
             <a:off x="4754880" y="822960"/>
-            <a:ext cx="3656880" cy="227880"/>
+            <a:ext cx="3656520" cy="227520"/>
           </a:xfrm>
           <a:prstGeom prst="rect">
             <a:avLst/>
@@ -18417,7 +18417,7 @@
         <p:spPr>
           <a:xfrm>
             <a:off x="4937760" y="1371600"/>
-            <a:ext cx="3291120" cy="822240"/>
+            <a:ext cx="3290760" cy="821880"/>
           </a:xfrm>
           <a:prstGeom prst="rect">
             <a:avLst/>
@@ -18445,7 +18445,7 @@
         <p:spPr>
           <a:xfrm>
             <a:off x="5120640" y="1463040"/>
-            <a:ext cx="2925360" cy="639360"/>
+            <a:ext cx="2925000" cy="639000"/>
           </a:xfrm>
           <a:prstGeom prst="rect">
             <a:avLst/>
@@ -18572,7 +18572,7 @@
         <p:spPr>
           <a:xfrm>
             <a:off x="1371600" y="2468880"/>
-            <a:ext cx="6400080" cy="136440"/>
+            <a:ext cx="6399720" cy="136080"/>
           </a:xfrm>
           <a:prstGeom prst="rect">
             <a:avLst/>
@@ -18600,7 +18600,7 @@
         <p:spPr>
           <a:xfrm>
             <a:off x="1371600" y="2194560"/>
-            <a:ext cx="6400080" cy="227880"/>
+            <a:ext cx="6399720" cy="227520"/>
           </a:xfrm>
           <a:prstGeom prst="rect">
             <a:avLst/>
@@ -18655,7 +18655,7 @@
         <p:spPr>
           <a:xfrm>
             <a:off x="1828800" y="2743200"/>
-            <a:ext cx="5485680" cy="822240"/>
+            <a:ext cx="5485320" cy="821880"/>
           </a:xfrm>
           <a:prstGeom prst="rect">
             <a:avLst/>
@@ -18683,7 +18683,7 @@
         <p:spPr>
           <a:xfrm>
             <a:off x="2011680" y="2834640"/>
-            <a:ext cx="5119920" cy="639360"/>
+            <a:ext cx="5119560" cy="639000"/>
           </a:xfrm>
           <a:prstGeom prst="rect">
             <a:avLst/>
@@ -18847,7 +18847,7 @@
         <p:spPr>
           <a:xfrm>
             <a:off x="457200" y="274320"/>
-            <a:ext cx="8228880" cy="547920"/>
+            <a:ext cx="8228520" cy="547560"/>
           </a:xfrm>
           <a:prstGeom prst="rect">
             <a:avLst/>
@@ -18906,7 +18906,7 @@
         <p:spPr>
           <a:xfrm>
             <a:off x="7772400" y="228600"/>
-            <a:ext cx="639360" cy="639360"/>
+            <a:ext cx="639000" cy="639000"/>
           </a:xfrm>
           <a:prstGeom prst="rect">
             <a:avLst/>
@@ -18925,7 +18925,7 @@
         <p:spPr>
           <a:xfrm>
             <a:off x="731520" y="1188720"/>
-            <a:ext cx="3656880" cy="1553760"/>
+            <a:ext cx="3656520" cy="1553400"/>
           </a:xfrm>
           <a:prstGeom prst="rect">
             <a:avLst/>
@@ -18956,7 +18956,7 @@
         <p:spPr>
           <a:xfrm>
             <a:off x="731520" y="1280160"/>
-            <a:ext cx="3656880" cy="273600"/>
+            <a:ext cx="3656520" cy="273240"/>
           </a:xfrm>
           <a:prstGeom prst="rect">
             <a:avLst/>
@@ -19011,7 +19011,7 @@
         <p:spPr>
           <a:xfrm>
             <a:off x="731520" y="1600200"/>
-            <a:ext cx="3656880" cy="365040"/>
+            <a:ext cx="3656520" cy="364680"/>
           </a:xfrm>
           <a:prstGeom prst="rect">
             <a:avLst/>
@@ -19090,7 +19090,7 @@
         <p:spPr>
           <a:xfrm>
             <a:off x="914400" y="2103120"/>
-            <a:ext cx="3291120" cy="547920"/>
+            <a:ext cx="3290760" cy="547560"/>
           </a:xfrm>
           <a:prstGeom prst="rect">
             <a:avLst/>
@@ -19118,7 +19118,7 @@
         <p:spPr>
           <a:xfrm>
             <a:off x="1097280" y="2194560"/>
-            <a:ext cx="2925360" cy="365040"/>
+            <a:ext cx="2925000" cy="364680"/>
           </a:xfrm>
           <a:prstGeom prst="rect">
             <a:avLst/>
@@ -19197,7 +19197,7 @@
         <p:spPr>
           <a:xfrm>
             <a:off x="4754880" y="1188720"/>
-            <a:ext cx="3656880" cy="1553760"/>
+            <a:ext cx="3656520" cy="1553400"/>
           </a:xfrm>
           <a:prstGeom prst="rect">
             <a:avLst/>
@@ -19228,7 +19228,7 @@
         <p:spPr>
           <a:xfrm>
             <a:off x="4754880" y="1280160"/>
-            <a:ext cx="3656880" cy="273600"/>
+            <a:ext cx="3656520" cy="273240"/>
           </a:xfrm>
           <a:prstGeom prst="rect">
             <a:avLst/>
@@ -19283,7 +19283,7 @@
         <p:spPr>
           <a:xfrm>
             <a:off x="4754880" y="1600200"/>
-            <a:ext cx="3656880" cy="365040"/>
+            <a:ext cx="3656520" cy="364680"/>
           </a:xfrm>
           <a:prstGeom prst="rect">
             <a:avLst/>
@@ -19362,7 +19362,7 @@
         <p:spPr>
           <a:xfrm>
             <a:off x="4937760" y="2103120"/>
-            <a:ext cx="3291120" cy="547920"/>
+            <a:ext cx="3290760" cy="547560"/>
           </a:xfrm>
           <a:prstGeom prst="rect">
             <a:avLst/>
@@ -19390,7 +19390,7 @@
         <p:spPr>
           <a:xfrm>
             <a:off x="5120640" y="2194560"/>
-            <a:ext cx="2925360" cy="365040"/>
+            <a:ext cx="2925000" cy="364680"/>
           </a:xfrm>
           <a:prstGeom prst="rect">
             <a:avLst/>
@@ -19469,7 +19469,7 @@
         <p:spPr>
           <a:xfrm>
             <a:off x="1371600" y="3017520"/>
-            <a:ext cx="6400080" cy="1279440"/>
+            <a:ext cx="6399720" cy="1279080"/>
           </a:xfrm>
           <a:prstGeom prst="rect">
             <a:avLst/>
@@ -19497,7 +19497,7 @@
         <p:spPr>
           <a:xfrm>
             <a:off x="1554480" y="3108960"/>
-            <a:ext cx="6034320" cy="1096560"/>
+            <a:ext cx="6033960" cy="1096200"/>
           </a:xfrm>
           <a:prstGeom prst="rect">
             <a:avLst/>
@@ -19709,7 +19709,7 @@
         <p:spPr>
           <a:xfrm>
             <a:off x="457200" y="274320"/>
-            <a:ext cx="8228880" cy="547920"/>
+            <a:ext cx="8228520" cy="547560"/>
           </a:xfrm>
           <a:prstGeom prst="rect">
             <a:avLst/>
@@ -19768,7 +19768,7 @@
         <p:spPr>
           <a:xfrm>
             <a:off x="7772400" y="228600"/>
-            <a:ext cx="639360" cy="639360"/>
+            <a:ext cx="639000" cy="639000"/>
           </a:xfrm>
           <a:prstGeom prst="rect">
             <a:avLst/>
@@ -19787,7 +19787,7 @@
         <p:spPr>
           <a:xfrm>
             <a:off x="914400" y="1097280"/>
-            <a:ext cx="7314480" cy="639360"/>
+            <a:ext cx="7314120" cy="639000"/>
           </a:xfrm>
           <a:prstGeom prst="rect">
             <a:avLst/>
@@ -19818,7 +19818,7 @@
         <p:spPr>
           <a:xfrm>
             <a:off x="914400" y="1188720"/>
-            <a:ext cx="7314480" cy="456480"/>
+            <a:ext cx="7314120" cy="456120"/>
           </a:xfrm>
           <a:prstGeom prst="rect">
             <a:avLst/>
@@ -19897,7 +19897,7 @@
         <p:spPr>
           <a:xfrm>
             <a:off x="1371600" y="2011680"/>
-            <a:ext cx="6400080" cy="2193840"/>
+            <a:ext cx="6399720" cy="2193480"/>
           </a:xfrm>
           <a:prstGeom prst="rect">
             <a:avLst/>
@@ -19925,7 +19925,7 @@
         <p:spPr>
           <a:xfrm>
             <a:off x="1554480" y="2148840"/>
-            <a:ext cx="6034320" cy="1919520"/>
+            <a:ext cx="6033960" cy="1919160"/>
           </a:xfrm>
           <a:prstGeom prst="rect">
             <a:avLst/>
@@ -20247,7 +20247,7 @@
         <p:spPr>
           <a:xfrm>
             <a:off x="457200" y="274320"/>
-            <a:ext cx="8228880" cy="547920"/>
+            <a:ext cx="8228520" cy="547560"/>
           </a:xfrm>
           <a:prstGeom prst="rect">
             <a:avLst/>
@@ -20306,7 +20306,7 @@
         <p:spPr>
           <a:xfrm>
             <a:off x="777240" y="1024200"/>
-            <a:ext cx="227880" cy="227880"/>
+            <a:ext cx="227520" cy="227520"/>
           </a:xfrm>
           <a:prstGeom prst="rect">
             <a:avLst/>
@@ -20325,7 +20325,7 @@
         <p:spPr>
           <a:xfrm>
             <a:off x="1143000" y="1051560"/>
-            <a:ext cx="6948720" cy="182160"/>
+            <a:ext cx="6948360" cy="181800"/>
           </a:xfrm>
           <a:prstGeom prst="rect">
             <a:avLst/>
@@ -20384,7 +20384,7 @@
         <p:spPr>
           <a:xfrm>
             <a:off x="777240" y="1252800"/>
-            <a:ext cx="227880" cy="227880"/>
+            <a:ext cx="227520" cy="227520"/>
           </a:xfrm>
           <a:prstGeom prst="rect">
             <a:avLst/>
@@ -20403,7 +20403,7 @@
         <p:spPr>
           <a:xfrm>
             <a:off x="1143000" y="1280160"/>
-            <a:ext cx="6948720" cy="182160"/>
+            <a:ext cx="6948360" cy="181800"/>
           </a:xfrm>
           <a:prstGeom prst="rect">
             <a:avLst/>
@@ -20462,7 +20462,7 @@
         <p:spPr>
           <a:xfrm>
             <a:off x="777240" y="1481400"/>
-            <a:ext cx="227880" cy="227880"/>
+            <a:ext cx="227520" cy="227520"/>
           </a:xfrm>
           <a:prstGeom prst="rect">
             <a:avLst/>
@@ -20481,7 +20481,7 @@
         <p:spPr>
           <a:xfrm>
             <a:off x="1143000" y="1508760"/>
-            <a:ext cx="6948720" cy="182160"/>
+            <a:ext cx="6948360" cy="181800"/>
           </a:xfrm>
           <a:prstGeom prst="rect">
             <a:avLst/>
@@ -20540,7 +20540,7 @@
         <p:spPr>
           <a:xfrm>
             <a:off x="777240" y="1710000"/>
-            <a:ext cx="227880" cy="227880"/>
+            <a:ext cx="227520" cy="227520"/>
           </a:xfrm>
           <a:prstGeom prst="rect">
             <a:avLst/>
@@ -20559,7 +20559,7 @@
         <p:spPr>
           <a:xfrm>
             <a:off x="1143000" y="1737360"/>
-            <a:ext cx="6948720" cy="182160"/>
+            <a:ext cx="6948360" cy="181800"/>
           </a:xfrm>
           <a:prstGeom prst="rect">
             <a:avLst/>
@@ -20618,7 +20618,7 @@
         <p:spPr>
           <a:xfrm>
             <a:off x="777240" y="1938600"/>
-            <a:ext cx="227880" cy="227880"/>
+            <a:ext cx="227520" cy="227520"/>
           </a:xfrm>
           <a:prstGeom prst="rect">
             <a:avLst/>
@@ -20637,7 +20637,7 @@
         <p:spPr>
           <a:xfrm>
             <a:off x="1143000" y="1965960"/>
-            <a:ext cx="6948720" cy="182160"/>
+            <a:ext cx="6948360" cy="181800"/>
           </a:xfrm>
           <a:prstGeom prst="rect">
             <a:avLst/>
@@ -20696,7 +20696,7 @@
         <p:spPr>
           <a:xfrm>
             <a:off x="777240" y="2167200"/>
-            <a:ext cx="227880" cy="227880"/>
+            <a:ext cx="227520" cy="227520"/>
           </a:xfrm>
           <a:prstGeom prst="rect">
             <a:avLst/>
@@ -20715,7 +20715,7 @@
         <p:spPr>
           <a:xfrm>
             <a:off x="1143000" y="2194560"/>
-            <a:ext cx="6948720" cy="182160"/>
+            <a:ext cx="6948360" cy="181800"/>
           </a:xfrm>
           <a:prstGeom prst="rect">
             <a:avLst/>
@@ -20774,7 +20774,7 @@
         <p:spPr>
           <a:xfrm>
             <a:off x="777240" y="2395800"/>
-            <a:ext cx="227880" cy="227880"/>
+            <a:ext cx="227520" cy="227520"/>
           </a:xfrm>
           <a:prstGeom prst="rect">
             <a:avLst/>
@@ -20793,7 +20793,7 @@
         <p:spPr>
           <a:xfrm>
             <a:off x="1143000" y="2423160"/>
-            <a:ext cx="6948720" cy="182160"/>
+            <a:ext cx="6948360" cy="181800"/>
           </a:xfrm>
           <a:prstGeom prst="rect">
             <a:avLst/>
@@ -20852,7 +20852,7 @@
         <p:spPr>
           <a:xfrm>
             <a:off x="777240" y="2624400"/>
-            <a:ext cx="227880" cy="227880"/>
+            <a:ext cx="227520" cy="227520"/>
           </a:xfrm>
           <a:prstGeom prst="rect">
             <a:avLst/>
@@ -20871,7 +20871,7 @@
         <p:spPr>
           <a:xfrm>
             <a:off x="1143000" y="2651760"/>
-            <a:ext cx="6948720" cy="182160"/>
+            <a:ext cx="6948360" cy="181800"/>
           </a:xfrm>
           <a:prstGeom prst="rect">
             <a:avLst/>
@@ -20930,7 +20930,7 @@
         <p:spPr>
           <a:xfrm>
             <a:off x="777240" y="2853000"/>
-            <a:ext cx="227880" cy="227880"/>
+            <a:ext cx="227520" cy="227520"/>
           </a:xfrm>
           <a:prstGeom prst="rect">
             <a:avLst/>
@@ -20949,7 +20949,7 @@
         <p:spPr>
           <a:xfrm>
             <a:off x="1143000" y="2880360"/>
-            <a:ext cx="6948720" cy="182160"/>
+            <a:ext cx="6948360" cy="181800"/>
           </a:xfrm>
           <a:prstGeom prst="rect">
             <a:avLst/>
@@ -21008,7 +21008,7 @@
         <p:spPr>
           <a:xfrm>
             <a:off x="777240" y="3081600"/>
-            <a:ext cx="227880" cy="227880"/>
+            <a:ext cx="227520" cy="227520"/>
           </a:xfrm>
           <a:prstGeom prst="rect">
             <a:avLst/>
@@ -21027,7 +21027,7 @@
         <p:spPr>
           <a:xfrm>
             <a:off x="1143000" y="3108960"/>
-            <a:ext cx="6948720" cy="182160"/>
+            <a:ext cx="6948360" cy="181800"/>
           </a:xfrm>
           <a:prstGeom prst="rect">
             <a:avLst/>
@@ -21086,7 +21086,7 @@
         <p:spPr>
           <a:xfrm>
             <a:off x="777240" y="3310200"/>
-            <a:ext cx="227880" cy="227880"/>
+            <a:ext cx="227520" cy="227520"/>
           </a:xfrm>
           <a:prstGeom prst="rect">
             <a:avLst/>
@@ -21105,7 +21105,7 @@
         <p:spPr>
           <a:xfrm>
             <a:off x="1143000" y="3337560"/>
-            <a:ext cx="6948720" cy="182160"/>
+            <a:ext cx="6948360" cy="181800"/>
           </a:xfrm>
           <a:prstGeom prst="rect">
             <a:avLst/>
@@ -21164,7 +21164,7 @@
         <p:spPr>
           <a:xfrm>
             <a:off x="777240" y="3538800"/>
-            <a:ext cx="227880" cy="227880"/>
+            <a:ext cx="227520" cy="227520"/>
           </a:xfrm>
           <a:prstGeom prst="rect">
             <a:avLst/>
@@ -21183,7 +21183,7 @@
         <p:spPr>
           <a:xfrm>
             <a:off x="1143000" y="3566160"/>
-            <a:ext cx="6948720" cy="182160"/>
+            <a:ext cx="6948360" cy="181800"/>
           </a:xfrm>
           <a:prstGeom prst="rect">
             <a:avLst/>
@@ -21242,7 +21242,7 @@
         <p:spPr>
           <a:xfrm>
             <a:off x="777240" y="3767400"/>
-            <a:ext cx="227880" cy="227880"/>
+            <a:ext cx="227520" cy="227520"/>
           </a:xfrm>
           <a:prstGeom prst="rect">
             <a:avLst/>
@@ -21261,7 +21261,7 @@
         <p:spPr>
           <a:xfrm>
             <a:off x="1143000" y="3794760"/>
-            <a:ext cx="6948720" cy="182160"/>
+            <a:ext cx="6948360" cy="181800"/>
           </a:xfrm>
           <a:prstGeom prst="rect">
             <a:avLst/>
@@ -21320,7 +21320,7 @@
         <p:spPr>
           <a:xfrm>
             <a:off x="777240" y="3996000"/>
-            <a:ext cx="227880" cy="227880"/>
+            <a:ext cx="227520" cy="227520"/>
           </a:xfrm>
           <a:prstGeom prst="rect">
             <a:avLst/>
@@ -21339,7 +21339,7 @@
         <p:spPr>
           <a:xfrm>
             <a:off x="1143000" y="4023360"/>
-            <a:ext cx="6948720" cy="182160"/>
+            <a:ext cx="6948360" cy="181800"/>
           </a:xfrm>
           <a:prstGeom prst="rect">
             <a:avLst/>
@@ -21398,7 +21398,7 @@
         <p:spPr>
           <a:xfrm>
             <a:off x="777240" y="4224600"/>
-            <a:ext cx="227880" cy="227880"/>
+            <a:ext cx="227520" cy="227520"/>
           </a:xfrm>
           <a:prstGeom prst="rect">
             <a:avLst/>
@@ -21417,7 +21417,7 @@
         <p:spPr>
           <a:xfrm>
             <a:off x="1143000" y="4251960"/>
-            <a:ext cx="6948720" cy="182160"/>
+            <a:ext cx="6948360" cy="181800"/>
           </a:xfrm>
           <a:prstGeom prst="rect">
             <a:avLst/>
@@ -21509,7 +21509,7 @@
         <p:spPr>
           <a:xfrm>
             <a:off x="457200" y="274320"/>
-            <a:ext cx="8228880" cy="547920"/>
+            <a:ext cx="8228520" cy="547560"/>
           </a:xfrm>
           <a:prstGeom prst="rect">
             <a:avLst/>
@@ -21568,7 +21568,7 @@
         <p:spPr>
           <a:xfrm>
             <a:off x="7772400" y="228600"/>
-            <a:ext cx="639360" cy="639360"/>
+            <a:ext cx="639000" cy="639000"/>
           </a:xfrm>
           <a:prstGeom prst="rect">
             <a:avLst/>
@@ -21587,7 +21587,7 @@
         <p:spPr>
           <a:xfrm>
             <a:off x="914400" y="1097280"/>
-            <a:ext cx="7314480" cy="639360"/>
+            <a:ext cx="7314120" cy="639000"/>
           </a:xfrm>
           <a:prstGeom prst="rect">
             <a:avLst/>
@@ -21618,7 +21618,7 @@
         <p:spPr>
           <a:xfrm>
             <a:off x="914400" y="1188720"/>
-            <a:ext cx="7314480" cy="456480"/>
+            <a:ext cx="7314120" cy="456120"/>
           </a:xfrm>
           <a:prstGeom prst="rect">
             <a:avLst/>
@@ -21673,7 +21673,7 @@
         <p:spPr>
           <a:xfrm>
             <a:off x="1371600" y="2011680"/>
-            <a:ext cx="6400080" cy="273600"/>
+            <a:ext cx="6399720" cy="273240"/>
           </a:xfrm>
           <a:prstGeom prst="rect">
             <a:avLst/>
@@ -21728,7 +21728,7 @@
         <p:spPr>
           <a:xfrm>
             <a:off x="1371600" y="2468880"/>
-            <a:ext cx="6400080" cy="1736640"/>
+            <a:ext cx="6399720" cy="1736280"/>
           </a:xfrm>
           <a:prstGeom prst="rect">
             <a:avLst/>
@@ -21756,7 +21756,7 @@
         <p:spPr>
           <a:xfrm>
             <a:off x="1554480" y="2606040"/>
-            <a:ext cx="6034320" cy="1462320"/>
+            <a:ext cx="6033960" cy="1461960"/>
           </a:xfrm>
           <a:prstGeom prst="rect">
             <a:avLst/>
@@ -22024,7 +22024,7 @@
         <p:spPr>
           <a:xfrm>
             <a:off x="3840480" y="1645920"/>
-            <a:ext cx="1462320" cy="1462320"/>
+            <a:ext cx="1461960" cy="1461960"/>
           </a:xfrm>
           <a:prstGeom prst="rect">
             <a:avLst/>
@@ -22043,7 +22043,7 @@
         <p:spPr>
           <a:xfrm>
             <a:off x="457200" y="3383280"/>
-            <a:ext cx="8228880" cy="547920"/>
+            <a:ext cx="8228520" cy="547560"/>
           </a:xfrm>
           <a:prstGeom prst="rect">
             <a:avLst/>
@@ -22098,7 +22098,7 @@
         <p:spPr>
           <a:xfrm>
             <a:off x="457200" y="4023360"/>
-            <a:ext cx="8228880" cy="365040"/>
+            <a:ext cx="8228520" cy="364680"/>
           </a:xfrm>
           <a:prstGeom prst="rect">
             <a:avLst/>
@@ -22153,7 +22153,7 @@
         <p:spPr>
           <a:xfrm>
             <a:off x="457200" y="4480560"/>
-            <a:ext cx="8228880" cy="273600"/>
+            <a:ext cx="8228520" cy="273240"/>
           </a:xfrm>
           <a:prstGeom prst="rect">
             <a:avLst/>
@@ -22245,7 +22245,7 @@
         <p:spPr>
           <a:xfrm>
             <a:off x="457200" y="274320"/>
-            <a:ext cx="8228880" cy="547920"/>
+            <a:ext cx="8228520" cy="547560"/>
           </a:xfrm>
           <a:prstGeom prst="rect">
             <a:avLst/>
@@ -22304,7 +22304,7 @@
         <p:spPr>
           <a:xfrm>
             <a:off x="7772400" y="228600"/>
-            <a:ext cx="639360" cy="639360"/>
+            <a:ext cx="639000" cy="639000"/>
           </a:xfrm>
           <a:prstGeom prst="rect">
             <a:avLst/>
@@ -22323,7 +22323,7 @@
         <p:spPr>
           <a:xfrm>
             <a:off x="914400" y="1097280"/>
-            <a:ext cx="7314480" cy="547920"/>
+            <a:ext cx="7314120" cy="547560"/>
           </a:xfrm>
           <a:prstGeom prst="rect">
             <a:avLst/>
@@ -22354,7 +22354,7 @@
         <p:spPr>
           <a:xfrm>
             <a:off x="914400" y="1188720"/>
-            <a:ext cx="7314480" cy="365040"/>
+            <a:ext cx="7314120" cy="364680"/>
           </a:xfrm>
           <a:prstGeom prst="rect">
             <a:avLst/>
@@ -22409,7 +22409,7 @@
         <p:spPr>
           <a:xfrm>
             <a:off x="1371600" y="1920240"/>
-            <a:ext cx="6400080" cy="822240"/>
+            <a:ext cx="6399720" cy="821880"/>
           </a:xfrm>
           <a:prstGeom prst="rect">
             <a:avLst/>
@@ -22437,7 +22437,7 @@
         <p:spPr>
           <a:xfrm>
             <a:off x="1554480" y="2057400"/>
-            <a:ext cx="6034320" cy="547920"/>
+            <a:ext cx="6033960" cy="547560"/>
           </a:xfrm>
           <a:prstGeom prst="rect">
             <a:avLst/>
@@ -22516,7 +22516,7 @@
         <p:spPr>
           <a:xfrm>
             <a:off x="914400" y="2926080"/>
-            <a:ext cx="7314480" cy="547920"/>
+            <a:ext cx="7314120" cy="547560"/>
           </a:xfrm>
           <a:prstGeom prst="rect">
             <a:avLst/>
@@ -22547,7 +22547,7 @@
         <p:spPr>
           <a:xfrm>
             <a:off x="914400" y="3017520"/>
-            <a:ext cx="7314480" cy="365040"/>
+            <a:ext cx="7314120" cy="364680"/>
           </a:xfrm>
           <a:prstGeom prst="rect">
             <a:avLst/>
@@ -22602,7 +22602,7 @@
         <p:spPr>
           <a:xfrm>
             <a:off x="1371600" y="3657600"/>
-            <a:ext cx="6400080" cy="822240"/>
+            <a:ext cx="6399720" cy="821880"/>
           </a:xfrm>
           <a:prstGeom prst="rect">
             <a:avLst/>
@@ -22630,7 +22630,7 @@
         <p:spPr>
           <a:xfrm>
             <a:off x="1554480" y="3794760"/>
-            <a:ext cx="6034320" cy="547920"/>
+            <a:ext cx="6033960" cy="547560"/>
           </a:xfrm>
           <a:prstGeom prst="rect">
             <a:avLst/>
@@ -22770,7 +22770,7 @@
         <p:spPr>
           <a:xfrm>
             <a:off x="457200" y="274320"/>
-            <a:ext cx="8228880" cy="547920"/>
+            <a:ext cx="8228520" cy="547560"/>
           </a:xfrm>
           <a:prstGeom prst="rect">
             <a:avLst/>
@@ -22829,7 +22829,7 @@
         <p:spPr>
           <a:xfrm>
             <a:off x="7772400" y="228600"/>
-            <a:ext cx="639360" cy="639360"/>
+            <a:ext cx="639000" cy="639000"/>
           </a:xfrm>
           <a:prstGeom prst="rect">
             <a:avLst/>
@@ -22848,7 +22848,7 @@
         <p:spPr>
           <a:xfrm>
             <a:off x="731520" y="1097280"/>
-            <a:ext cx="3656880" cy="1828080"/>
+            <a:ext cx="3656520" cy="1827720"/>
           </a:xfrm>
           <a:prstGeom prst="rect">
             <a:avLst/>
@@ -22879,7 +22879,7 @@
         <p:spPr>
           <a:xfrm>
             <a:off x="731520" y="1188720"/>
-            <a:ext cx="3656880" cy="273600"/>
+            <a:ext cx="3656520" cy="273240"/>
           </a:xfrm>
           <a:prstGeom prst="rect">
             <a:avLst/>
@@ -22934,7 +22934,7 @@
         <p:spPr>
           <a:xfrm>
             <a:off x="914400" y="1600200"/>
-            <a:ext cx="3291120" cy="1188000"/>
+            <a:ext cx="3290760" cy="1187640"/>
           </a:xfrm>
           <a:prstGeom prst="rect">
             <a:avLst/>
@@ -22962,7 +22962,7 @@
         <p:spPr>
           <a:xfrm>
             <a:off x="1005840" y="1691640"/>
-            <a:ext cx="3108240" cy="1005120"/>
+            <a:ext cx="3107880" cy="1004760"/>
           </a:xfrm>
           <a:prstGeom prst="rect">
             <a:avLst/>
@@ -23119,7 +23119,7 @@
         <p:spPr>
           <a:xfrm>
             <a:off x="4754880" y="1097280"/>
-            <a:ext cx="3656880" cy="1828080"/>
+            <a:ext cx="3656520" cy="1827720"/>
           </a:xfrm>
           <a:prstGeom prst="rect">
             <a:avLst/>
@@ -23150,7 +23150,7 @@
         <p:spPr>
           <a:xfrm>
             <a:off x="4754880" y="1188720"/>
-            <a:ext cx="3656880" cy="273600"/>
+            <a:ext cx="3656520" cy="273240"/>
           </a:xfrm>
           <a:prstGeom prst="rect">
             <a:avLst/>
@@ -23205,7 +23205,7 @@
         <p:spPr>
           <a:xfrm>
             <a:off x="4937760" y="1600200"/>
-            <a:ext cx="3291120" cy="1188000"/>
+            <a:ext cx="3290760" cy="1187640"/>
           </a:xfrm>
           <a:prstGeom prst="rect">
             <a:avLst/>
@@ -23233,7 +23233,7 @@
         <p:spPr>
           <a:xfrm>
             <a:off x="5029200" y="1691640"/>
-            <a:ext cx="3108240" cy="1005120"/>
+            <a:ext cx="3107880" cy="1004760"/>
           </a:xfrm>
           <a:prstGeom prst="rect">
             <a:avLst/>
@@ -23360,7 +23360,7 @@
         <p:spPr>
           <a:xfrm>
             <a:off x="1371600" y="3200400"/>
-            <a:ext cx="6400080" cy="456480"/>
+            <a:ext cx="6399720" cy="456120"/>
           </a:xfrm>
           <a:prstGeom prst="rect">
             <a:avLst/>
@@ -23388,7 +23388,7 @@
         <p:spPr>
           <a:xfrm>
             <a:off x="1371600" y="3291840"/>
-            <a:ext cx="6400080" cy="273600"/>
+            <a:ext cx="6399720" cy="273240"/>
           </a:xfrm>
           <a:prstGeom prst="rect">
             <a:avLst/>
@@ -23490,7 +23490,7 @@
         <p:spPr>
           <a:xfrm>
             <a:off x="457200" y="274320"/>
-            <a:ext cx="8228880" cy="547920"/>
+            <a:ext cx="8228520" cy="547560"/>
           </a:xfrm>
           <a:prstGeom prst="rect">
             <a:avLst/>
@@ -23549,7 +23549,7 @@
         <p:spPr>
           <a:xfrm>
             <a:off x="7772400" y="228600"/>
-            <a:ext cx="639360" cy="639360"/>
+            <a:ext cx="639000" cy="639000"/>
           </a:xfrm>
           <a:prstGeom prst="rect">
             <a:avLst/>
@@ -23568,7 +23568,7 @@
         <p:spPr>
           <a:xfrm>
             <a:off x="914400" y="1005840"/>
-            <a:ext cx="7314480" cy="547920"/>
+            <a:ext cx="7314120" cy="547560"/>
           </a:xfrm>
           <a:prstGeom prst="rect">
             <a:avLst/>
@@ -23599,7 +23599,7 @@
         <p:spPr>
           <a:xfrm>
             <a:off x="914400" y="1097280"/>
-            <a:ext cx="7314480" cy="365040"/>
+            <a:ext cx="7314120" cy="364680"/>
           </a:xfrm>
           <a:prstGeom prst="rect">
             <a:avLst/>
@@ -23654,7 +23654,7 @@
         <p:spPr>
           <a:xfrm>
             <a:off x="1371600" y="1828800"/>
-            <a:ext cx="6400080" cy="456480"/>
+            <a:ext cx="6399720" cy="456120"/>
           </a:xfrm>
           <a:prstGeom prst="rect">
             <a:avLst/>
@@ -23682,7 +23682,7 @@
         <p:spPr>
           <a:xfrm>
             <a:off x="1554480" y="1920240"/>
-            <a:ext cx="6034320" cy="273600"/>
+            <a:ext cx="6033960" cy="273240"/>
           </a:xfrm>
           <a:prstGeom prst="rect">
             <a:avLst/>
@@ -23737,7 +23737,7 @@
         <p:spPr>
           <a:xfrm>
             <a:off x="914400" y="2468880"/>
-            <a:ext cx="3656880" cy="273600"/>
+            <a:ext cx="3656520" cy="273240"/>
           </a:xfrm>
           <a:prstGeom prst="rect">
             <a:avLst/>
@@ -23792,7 +23792,7 @@
         <p:spPr>
           <a:xfrm>
             <a:off x="914400" y="2788920"/>
-            <a:ext cx="6400080" cy="730800"/>
+            <a:ext cx="6399720" cy="730440"/>
           </a:xfrm>
           <a:prstGeom prst="rect">
             <a:avLst/>
@@ -23823,7 +23823,7 @@
         <p:spPr>
           <a:xfrm>
             <a:off x="1097280" y="2880360"/>
-            <a:ext cx="547920" cy="227880"/>
+            <a:ext cx="547560" cy="227520"/>
           </a:xfrm>
           <a:prstGeom prst="rect">
             <a:avLst/>
@@ -23878,7 +23878,7 @@
         <p:spPr>
           <a:xfrm>
             <a:off x="1097280" y="3154680"/>
-            <a:ext cx="547920" cy="273600"/>
+            <a:ext cx="547560" cy="273240"/>
           </a:xfrm>
           <a:prstGeom prst="rect">
             <a:avLst/>
@@ -23909,7 +23909,7 @@
         <p:spPr>
           <a:xfrm>
             <a:off x="1097280" y="3200400"/>
-            <a:ext cx="547920" cy="182160"/>
+            <a:ext cx="547560" cy="181800"/>
           </a:xfrm>
           <a:prstGeom prst="rect">
             <a:avLst/>
@@ -23964,7 +23964,7 @@
         <p:spPr>
           <a:xfrm>
             <a:off x="1691640" y="2880360"/>
-            <a:ext cx="547920" cy="227880"/>
+            <a:ext cx="547560" cy="227520"/>
           </a:xfrm>
           <a:prstGeom prst="rect">
             <a:avLst/>
@@ -24019,7 +24019,7 @@
         <p:spPr>
           <a:xfrm>
             <a:off x="1691640" y="3154680"/>
-            <a:ext cx="547920" cy="273600"/>
+            <a:ext cx="547560" cy="273240"/>
           </a:xfrm>
           <a:prstGeom prst="rect">
             <a:avLst/>
@@ -24050,7 +24050,7 @@
         <p:spPr>
           <a:xfrm>
             <a:off x="1691640" y="3200400"/>
-            <a:ext cx="547920" cy="182160"/>
+            <a:ext cx="547560" cy="181800"/>
           </a:xfrm>
           <a:prstGeom prst="rect">
             <a:avLst/>
@@ -24105,7 +24105,7 @@
         <p:spPr>
           <a:xfrm>
             <a:off x="2286000" y="2880360"/>
-            <a:ext cx="547920" cy="227880"/>
+            <a:ext cx="547560" cy="227520"/>
           </a:xfrm>
           <a:prstGeom prst="rect">
             <a:avLst/>
@@ -24160,7 +24160,7 @@
         <p:spPr>
           <a:xfrm>
             <a:off x="2286000" y="3154680"/>
-            <a:ext cx="547920" cy="273600"/>
+            <a:ext cx="547560" cy="273240"/>
           </a:xfrm>
           <a:prstGeom prst="rect">
             <a:avLst/>
@@ -24191,7 +24191,7 @@
         <p:spPr>
           <a:xfrm>
             <a:off x="2286000" y="3200400"/>
-            <a:ext cx="547920" cy="182160"/>
+            <a:ext cx="547560" cy="181800"/>
           </a:xfrm>
           <a:prstGeom prst="rect">
             <a:avLst/>
@@ -24246,7 +24246,7 @@
         <p:spPr>
           <a:xfrm>
             <a:off x="2880360" y="2880360"/>
-            <a:ext cx="547920" cy="227880"/>
+            <a:ext cx="547560" cy="227520"/>
           </a:xfrm>
           <a:prstGeom prst="rect">
             <a:avLst/>
@@ -24301,7 +24301,7 @@
         <p:spPr>
           <a:xfrm>
             <a:off x="2880360" y="3154680"/>
-            <a:ext cx="547920" cy="273600"/>
+            <a:ext cx="547560" cy="273240"/>
           </a:xfrm>
           <a:prstGeom prst="rect">
             <a:avLst/>
@@ -24332,7 +24332,7 @@
         <p:spPr>
           <a:xfrm>
             <a:off x="2880360" y="3200400"/>
-            <a:ext cx="547920" cy="182160"/>
+            <a:ext cx="547560" cy="181800"/>
           </a:xfrm>
           <a:prstGeom prst="rect">
             <a:avLst/>
@@ -24387,7 +24387,7 @@
         <p:spPr>
           <a:xfrm>
             <a:off x="3474720" y="2880360"/>
-            <a:ext cx="547920" cy="227880"/>
+            <a:ext cx="547560" cy="227520"/>
           </a:xfrm>
           <a:prstGeom prst="rect">
             <a:avLst/>
@@ -24442,7 +24442,7 @@
         <p:spPr>
           <a:xfrm>
             <a:off x="3474720" y="3154680"/>
-            <a:ext cx="547920" cy="273600"/>
+            <a:ext cx="547560" cy="273240"/>
           </a:xfrm>
           <a:prstGeom prst="rect">
             <a:avLst/>
@@ -24473,7 +24473,7 @@
         <p:spPr>
           <a:xfrm>
             <a:off x="3474720" y="3200400"/>
-            <a:ext cx="547920" cy="182160"/>
+            <a:ext cx="547560" cy="181800"/>
           </a:xfrm>
           <a:prstGeom prst="rect">
             <a:avLst/>
@@ -24528,7 +24528,7 @@
         <p:spPr>
           <a:xfrm>
             <a:off x="4069080" y="2880360"/>
-            <a:ext cx="547920" cy="227880"/>
+            <a:ext cx="547560" cy="227520"/>
           </a:xfrm>
           <a:prstGeom prst="rect">
             <a:avLst/>
@@ -24583,7 +24583,7 @@
         <p:spPr>
           <a:xfrm>
             <a:off x="4069080" y="3154680"/>
-            <a:ext cx="547920" cy="273600"/>
+            <a:ext cx="547560" cy="273240"/>
           </a:xfrm>
           <a:prstGeom prst="rect">
             <a:avLst/>
@@ -24614,7 +24614,7 @@
         <p:spPr>
           <a:xfrm>
             <a:off x="4069080" y="3200400"/>
-            <a:ext cx="547920" cy="182160"/>
+            <a:ext cx="547560" cy="181800"/>
           </a:xfrm>
           <a:prstGeom prst="rect">
             <a:avLst/>
@@ -24669,7 +24669,7 @@
         <p:spPr>
           <a:xfrm>
             <a:off x="4663440" y="2880360"/>
-            <a:ext cx="547920" cy="227880"/>
+            <a:ext cx="547560" cy="227520"/>
           </a:xfrm>
           <a:prstGeom prst="rect">
             <a:avLst/>
@@ -24724,7 +24724,7 @@
         <p:spPr>
           <a:xfrm>
             <a:off x="4663440" y="3154680"/>
-            <a:ext cx="547920" cy="273600"/>
+            <a:ext cx="547560" cy="273240"/>
           </a:xfrm>
           <a:prstGeom prst="rect">
             <a:avLst/>
@@ -24755,7 +24755,7 @@
         <p:spPr>
           <a:xfrm>
             <a:off x="4663440" y="3200400"/>
-            <a:ext cx="547920" cy="182160"/>
+            <a:ext cx="547560" cy="181800"/>
           </a:xfrm>
           <a:prstGeom prst="rect">
             <a:avLst/>
@@ -24810,7 +24810,7 @@
         <p:spPr>
           <a:xfrm>
             <a:off x="5257800" y="2880360"/>
-            <a:ext cx="547920" cy="227880"/>
+            <a:ext cx="547560" cy="227520"/>
           </a:xfrm>
           <a:prstGeom prst="rect">
             <a:avLst/>
@@ -24865,7 +24865,7 @@
         <p:spPr>
           <a:xfrm>
             <a:off x="5257800" y="3154680"/>
-            <a:ext cx="547920" cy="273600"/>
+            <a:ext cx="547560" cy="273240"/>
           </a:xfrm>
           <a:prstGeom prst="rect">
             <a:avLst/>
@@ -24896,7 +24896,7 @@
         <p:spPr>
           <a:xfrm>
             <a:off x="5257800" y="3200400"/>
-            <a:ext cx="547920" cy="182160"/>
+            <a:ext cx="547560" cy="181800"/>
           </a:xfrm>
           <a:prstGeom prst="rect">
             <a:avLst/>
@@ -24951,7 +24951,7 @@
         <p:spPr>
           <a:xfrm>
             <a:off x="5852160" y="2880360"/>
-            <a:ext cx="547920" cy="227880"/>
+            <a:ext cx="547560" cy="227520"/>
           </a:xfrm>
           <a:prstGeom prst="rect">
             <a:avLst/>
@@ -25006,7 +25006,7 @@
         <p:spPr>
           <a:xfrm>
             <a:off x="5852160" y="3154680"/>
-            <a:ext cx="547920" cy="273600"/>
+            <a:ext cx="547560" cy="273240"/>
           </a:xfrm>
           <a:prstGeom prst="rect">
             <a:avLst/>
@@ -25037,7 +25037,7 @@
         <p:spPr>
           <a:xfrm>
             <a:off x="5852160" y="3200400"/>
-            <a:ext cx="547920" cy="182160"/>
+            <a:ext cx="547560" cy="181800"/>
           </a:xfrm>
           <a:prstGeom prst="rect">
             <a:avLst/>
@@ -25092,7 +25092,7 @@
         <p:spPr>
           <a:xfrm>
             <a:off x="6446520" y="2880360"/>
-            <a:ext cx="547920" cy="227880"/>
+            <a:ext cx="547560" cy="227520"/>
           </a:xfrm>
           <a:prstGeom prst="rect">
             <a:avLst/>
@@ -25147,7 +25147,7 @@
         <p:spPr>
           <a:xfrm>
             <a:off x="6446520" y="3154680"/>
-            <a:ext cx="547920" cy="273600"/>
+            <a:ext cx="547560" cy="273240"/>
           </a:xfrm>
           <a:prstGeom prst="rect">
             <a:avLst/>
@@ -25178,7 +25178,7 @@
         <p:spPr>
           <a:xfrm>
             <a:off x="6446520" y="3200400"/>
-            <a:ext cx="547920" cy="182160"/>
+            <a:ext cx="547560" cy="181800"/>
           </a:xfrm>
           <a:prstGeom prst="rect">
             <a:avLst/>
@@ -25233,7 +25233,7 @@
         <p:spPr>
           <a:xfrm>
             <a:off x="914400" y="3657600"/>
-            <a:ext cx="4571280" cy="273600"/>
+            <a:ext cx="4570920" cy="273240"/>
           </a:xfrm>
           <a:prstGeom prst="rect">
             <a:avLst/>
@@ -25288,7 +25288,7 @@
         <p:spPr>
           <a:xfrm>
             <a:off x="1097280" y="3977640"/>
-            <a:ext cx="547920" cy="227880"/>
+            <a:ext cx="547560" cy="227520"/>
           </a:xfrm>
           <a:prstGeom prst="rect">
             <a:avLst/>
@@ -25343,7 +25343,7 @@
         <p:spPr>
           <a:xfrm>
             <a:off x="1691640" y="3977640"/>
-            <a:ext cx="547920" cy="227880"/>
+            <a:ext cx="547560" cy="227520"/>
           </a:xfrm>
           <a:prstGeom prst="rect">
             <a:avLst/>
@@ -25398,7 +25398,7 @@
         <p:spPr>
           <a:xfrm>
             <a:off x="2286000" y="3977640"/>
-            <a:ext cx="547920" cy="227880"/>
+            <a:ext cx="547560" cy="227520"/>
           </a:xfrm>
           <a:prstGeom prst="rect">
             <a:avLst/>
@@ -25453,7 +25453,7 @@
         <p:spPr>
           <a:xfrm>
             <a:off x="2880360" y="3977640"/>
-            <a:ext cx="547920" cy="227880"/>
+            <a:ext cx="547560" cy="227520"/>
           </a:xfrm>
           <a:prstGeom prst="rect">
             <a:avLst/>
@@ -25508,7 +25508,7 @@
         <p:spPr>
           <a:xfrm>
             <a:off x="3474720" y="3977640"/>
-            <a:ext cx="547920" cy="227880"/>
+            <a:ext cx="547560" cy="227520"/>
           </a:xfrm>
           <a:prstGeom prst="rect">
             <a:avLst/>
@@ -25563,7 +25563,7 @@
         <p:spPr>
           <a:xfrm>
             <a:off x="4069080" y="3977640"/>
-            <a:ext cx="547920" cy="227880"/>
+            <a:ext cx="547560" cy="227520"/>
           </a:xfrm>
           <a:prstGeom prst="rect">
             <a:avLst/>
@@ -25618,7 +25618,7 @@
         <p:spPr>
           <a:xfrm>
             <a:off x="4663440" y="3977640"/>
-            <a:ext cx="547920" cy="227880"/>
+            <a:ext cx="547560" cy="227520"/>
           </a:xfrm>
           <a:prstGeom prst="rect">
             <a:avLst/>
@@ -25673,7 +25673,7 @@
         <p:spPr>
           <a:xfrm>
             <a:off x="5257800" y="3977640"/>
-            <a:ext cx="547920" cy="227880"/>
+            <a:ext cx="547560" cy="227520"/>
           </a:xfrm>
           <a:prstGeom prst="rect">
             <a:avLst/>
@@ -25728,7 +25728,7 @@
         <p:spPr>
           <a:xfrm>
             <a:off x="5852160" y="3977640"/>
-            <a:ext cx="547920" cy="227880"/>
+            <a:ext cx="547560" cy="227520"/>
           </a:xfrm>
           <a:prstGeom prst="rect">
             <a:avLst/>
@@ -25783,7 +25783,7 @@
         <p:spPr>
           <a:xfrm>
             <a:off x="6446520" y="3977640"/>
-            <a:ext cx="547920" cy="227880"/>
+            <a:ext cx="547560" cy="227520"/>
           </a:xfrm>
           <a:prstGeom prst="rect">
             <a:avLst/>
@@ -25875,7 +25875,7 @@
         <p:spPr>
           <a:xfrm>
             <a:off x="457200" y="274320"/>
-            <a:ext cx="8228880" cy="547920"/>
+            <a:ext cx="8228520" cy="547560"/>
           </a:xfrm>
           <a:prstGeom prst="rect">
             <a:avLst/>
@@ -25930,7 +25930,7 @@
         <p:spPr>
           <a:xfrm>
             <a:off x="914400" y="1097280"/>
-            <a:ext cx="7314480" cy="3199680"/>
+            <a:ext cx="7314120" cy="3199320"/>
           </a:xfrm>
           <a:prstGeom prst="rect">
             <a:avLst/>
@@ -25958,7 +25958,7 @@
         <p:spPr>
           <a:xfrm>
             <a:off x="1097280" y="1234440"/>
-            <a:ext cx="6948720" cy="2925360"/>
+            <a:ext cx="6948360" cy="2925000"/>
           </a:xfrm>
           <a:prstGeom prst="rect">
             <a:avLst/>
@@ -26428,7 +26428,7 @@
         <p:spPr>
           <a:xfrm>
             <a:off x="457200" y="274320"/>
-            <a:ext cx="8228880" cy="547920"/>
+            <a:ext cx="8228520" cy="547560"/>
           </a:xfrm>
           <a:prstGeom prst="rect">
             <a:avLst/>
@@ -26487,7 +26487,7 @@
         <p:spPr>
           <a:xfrm>
             <a:off x="7772400" y="228600"/>
-            <a:ext cx="639360" cy="639360"/>
+            <a:ext cx="639000" cy="639000"/>
           </a:xfrm>
           <a:prstGeom prst="rect">
             <a:avLst/>
@@ -26506,7 +26506,7 @@
         <p:spPr>
           <a:xfrm>
             <a:off x="914400" y="1005840"/>
-            <a:ext cx="7314480" cy="547920"/>
+            <a:ext cx="7314120" cy="547560"/>
           </a:xfrm>
           <a:prstGeom prst="rect">
             <a:avLst/>
@@ -26537,7 +26537,7 @@
         <p:spPr>
           <a:xfrm>
             <a:off x="914400" y="1097280"/>
-            <a:ext cx="7314480" cy="365040"/>
+            <a:ext cx="7314120" cy="364680"/>
           </a:xfrm>
           <a:prstGeom prst="rect">
             <a:avLst/>
@@ -26592,7 +26592,7 @@
         <p:spPr>
           <a:xfrm>
             <a:off x="1371600" y="1828800"/>
-            <a:ext cx="6400080" cy="273600"/>
+            <a:ext cx="6399720" cy="273240"/>
           </a:xfrm>
           <a:prstGeom prst="rect">
             <a:avLst/>
@@ -26647,7 +26647,7 @@
         <p:spPr>
           <a:xfrm>
             <a:off x="1828800" y="2194560"/>
-            <a:ext cx="5485680" cy="456480"/>
+            <a:ext cx="5485320" cy="456120"/>
           </a:xfrm>
           <a:prstGeom prst="rect">
             <a:avLst/>
@@ -26675,7 +26675,7 @@
         <p:spPr>
           <a:xfrm>
             <a:off x="1828800" y="2240280"/>
-            <a:ext cx="5485680" cy="365040"/>
+            <a:ext cx="5485320" cy="364680"/>
           </a:xfrm>
           <a:prstGeom prst="rect">
             <a:avLst/>
@@ -26730,7 +26730,7 @@
         <p:spPr>
           <a:xfrm>
             <a:off x="1371600" y="2926080"/>
-            <a:ext cx="6400080" cy="456480"/>
+            <a:ext cx="6399720" cy="456120"/>
           </a:xfrm>
           <a:prstGeom prst="rect">
             <a:avLst/>
@@ -26761,7 +26761,7 @@
         <p:spPr>
           <a:xfrm>
             <a:off x="1645920" y="3017520"/>
-            <a:ext cx="1370880" cy="273600"/>
+            <a:ext cx="1370520" cy="273240"/>
           </a:xfrm>
           <a:prstGeom prst="rect">
             <a:avLst/>
@@ -26816,7 +26816,7 @@
         <p:spPr>
           <a:xfrm>
             <a:off x="3200400" y="3017520"/>
-            <a:ext cx="4388400" cy="273600"/>
+            <a:ext cx="4388040" cy="273240"/>
           </a:xfrm>
           <a:prstGeom prst="rect">
             <a:avLst/>
@@ -26871,7 +26871,7 @@
         <p:spPr>
           <a:xfrm>
             <a:off x="1371600" y="3474720"/>
-            <a:ext cx="6400080" cy="456480"/>
+            <a:ext cx="6399720" cy="456120"/>
           </a:xfrm>
           <a:prstGeom prst="rect">
             <a:avLst/>
@@ -26902,7 +26902,7 @@
         <p:spPr>
           <a:xfrm>
             <a:off x="1645920" y="3566160"/>
-            <a:ext cx="1370880" cy="273600"/>
+            <a:ext cx="1370520" cy="273240"/>
           </a:xfrm>
           <a:prstGeom prst="rect">
             <a:avLst/>
@@ -26957,7 +26957,7 @@
         <p:spPr>
           <a:xfrm>
             <a:off x="3200400" y="3566160"/>
-            <a:ext cx="4388400" cy="273600"/>
+            <a:ext cx="4388040" cy="273240"/>
           </a:xfrm>
           <a:prstGeom prst="rect">
             <a:avLst/>
@@ -27012,7 +27012,7 @@
         <p:spPr>
           <a:xfrm>
             <a:off x="1371600" y="4023360"/>
-            <a:ext cx="6400080" cy="456480"/>
+            <a:ext cx="6399720" cy="456120"/>
           </a:xfrm>
           <a:prstGeom prst="rect">
             <a:avLst/>
@@ -27043,7 +27043,7 @@
         <p:spPr>
           <a:xfrm>
             <a:off x="1645920" y="4114800"/>
-            <a:ext cx="1370880" cy="273600"/>
+            <a:ext cx="1370520" cy="273240"/>
           </a:xfrm>
           <a:prstGeom prst="rect">
             <a:avLst/>
@@ -27098,7 +27098,7 @@
         <p:spPr>
           <a:xfrm>
             <a:off x="3200400" y="4114800"/>
-            <a:ext cx="4388400" cy="273600"/>
+            <a:ext cx="4388040" cy="273240"/>
           </a:xfrm>
           <a:prstGeom prst="rect">
             <a:avLst/>
@@ -27190,7 +27190,7 @@
         <p:spPr>
           <a:xfrm>
             <a:off x="457200" y="274320"/>
-            <a:ext cx="8228880" cy="547920"/>
+            <a:ext cx="8228520" cy="547560"/>
           </a:xfrm>
           <a:prstGeom prst="rect">
             <a:avLst/>
@@ -27245,7 +27245,7 @@
         <p:spPr>
           <a:xfrm>
             <a:off x="731520" y="1097280"/>
-            <a:ext cx="7680240" cy="3291120"/>
+            <a:ext cx="7679880" cy="3290760"/>
           </a:xfrm>
           <a:prstGeom prst="rect">
             <a:avLst/>
@@ -27273,7 +27273,7 @@
         <p:spPr>
           <a:xfrm>
             <a:off x="914400" y="1234440"/>
-            <a:ext cx="7314480" cy="3016800"/>
+            <a:ext cx="7314120" cy="3016440"/>
           </a:xfrm>
           <a:prstGeom prst="rect">
             <a:avLst/>
